--- a/images/Präsentation1.pptx
+++ b/images/Präsentation1.pptx
@@ -105,6 +105,11 @@
       </a:defRPr>
     </a:lvl9pPr>
   </p:defaultTextStyle>
+  <p:extLst>
+    <p:ext uri="{EFAFB233-063F-42B5-8137-9DF3F51BA10A}">
+      <p15:sldGuideLst xmlns:p15="http://schemas.microsoft.com/office/powerpoint/2012/main"/>
+    </p:ext>
+  </p:extLst>
 </p:presentation>
 </file>
 
@@ -257,7 +262,7 @@
           <a:p>
             <a:fld id="{A06EA1EB-1204-4073-BBAA-69B7C218ACDC}" type="datetimeFigureOut">
               <a:rPr lang="en-US" smtClean="0"/>
-              <a:t>7/4/2022</a:t>
+              <a:t>3/21/2023</a:t>
             </a:fld>
             <a:endParaRPr lang="en-US"/>
           </a:p>
@@ -457,7 +462,7 @@
           <a:p>
             <a:fld id="{A06EA1EB-1204-4073-BBAA-69B7C218ACDC}" type="datetimeFigureOut">
               <a:rPr lang="en-US" smtClean="0"/>
-              <a:t>7/4/2022</a:t>
+              <a:t>3/21/2023</a:t>
             </a:fld>
             <a:endParaRPr lang="en-US"/>
           </a:p>
@@ -667,7 +672,7 @@
           <a:p>
             <a:fld id="{A06EA1EB-1204-4073-BBAA-69B7C218ACDC}" type="datetimeFigureOut">
               <a:rPr lang="en-US" smtClean="0"/>
-              <a:t>7/4/2022</a:t>
+              <a:t>3/21/2023</a:t>
             </a:fld>
             <a:endParaRPr lang="en-US"/>
           </a:p>
@@ -867,7 +872,7 @@
           <a:p>
             <a:fld id="{A06EA1EB-1204-4073-BBAA-69B7C218ACDC}" type="datetimeFigureOut">
               <a:rPr lang="en-US" smtClean="0"/>
-              <a:t>7/4/2022</a:t>
+              <a:t>3/21/2023</a:t>
             </a:fld>
             <a:endParaRPr lang="en-US"/>
           </a:p>
@@ -1143,7 +1148,7 @@
           <a:p>
             <a:fld id="{A06EA1EB-1204-4073-BBAA-69B7C218ACDC}" type="datetimeFigureOut">
               <a:rPr lang="en-US" smtClean="0"/>
-              <a:t>7/4/2022</a:t>
+              <a:t>3/21/2023</a:t>
             </a:fld>
             <a:endParaRPr lang="en-US"/>
           </a:p>
@@ -1411,7 +1416,7 @@
           <a:p>
             <a:fld id="{A06EA1EB-1204-4073-BBAA-69B7C218ACDC}" type="datetimeFigureOut">
               <a:rPr lang="en-US" smtClean="0"/>
-              <a:t>7/4/2022</a:t>
+              <a:t>3/21/2023</a:t>
             </a:fld>
             <a:endParaRPr lang="en-US"/>
           </a:p>
@@ -1826,7 +1831,7 @@
           <a:p>
             <a:fld id="{A06EA1EB-1204-4073-BBAA-69B7C218ACDC}" type="datetimeFigureOut">
               <a:rPr lang="en-US" smtClean="0"/>
-              <a:t>7/4/2022</a:t>
+              <a:t>3/21/2023</a:t>
             </a:fld>
             <a:endParaRPr lang="en-US"/>
           </a:p>
@@ -1968,7 +1973,7 @@
           <a:p>
             <a:fld id="{A06EA1EB-1204-4073-BBAA-69B7C218ACDC}" type="datetimeFigureOut">
               <a:rPr lang="en-US" smtClean="0"/>
-              <a:t>7/4/2022</a:t>
+              <a:t>3/21/2023</a:t>
             </a:fld>
             <a:endParaRPr lang="en-US"/>
           </a:p>
@@ -2081,7 +2086,7 @@
           <a:p>
             <a:fld id="{A06EA1EB-1204-4073-BBAA-69B7C218ACDC}" type="datetimeFigureOut">
               <a:rPr lang="en-US" smtClean="0"/>
-              <a:t>7/4/2022</a:t>
+              <a:t>3/21/2023</a:t>
             </a:fld>
             <a:endParaRPr lang="en-US"/>
           </a:p>
@@ -2394,7 +2399,7 @@
           <a:p>
             <a:fld id="{A06EA1EB-1204-4073-BBAA-69B7C218ACDC}" type="datetimeFigureOut">
               <a:rPr lang="en-US" smtClean="0"/>
-              <a:t>7/4/2022</a:t>
+              <a:t>3/21/2023</a:t>
             </a:fld>
             <a:endParaRPr lang="en-US"/>
           </a:p>
@@ -2683,7 +2688,7 @@
           <a:p>
             <a:fld id="{A06EA1EB-1204-4073-BBAA-69B7C218ACDC}" type="datetimeFigureOut">
               <a:rPr lang="en-US" smtClean="0"/>
-              <a:t>7/4/2022</a:t>
+              <a:t>3/21/2023</a:t>
             </a:fld>
             <a:endParaRPr lang="en-US"/>
           </a:p>
@@ -2926,7 +2931,7 @@
           <a:p>
             <a:fld id="{A06EA1EB-1204-4073-BBAA-69B7C218ACDC}" type="datetimeFigureOut">
               <a:rPr lang="en-US" smtClean="0"/>
-              <a:t>7/4/2022</a:t>
+              <a:t>3/21/2023</a:t>
             </a:fld>
             <a:endParaRPr lang="en-US"/>
           </a:p>
@@ -3393,6 +3398,36 @@
           </a:p>
         </p:txBody>
       </p:sp>
+      <p:pic>
+        <p:nvPicPr>
+          <p:cNvPr id="4" name="Grafik 3">
+            <a:extLst>
+              <a:ext uri="{FF2B5EF4-FFF2-40B4-BE49-F238E27FC236}">
+                <a16:creationId xmlns:a16="http://schemas.microsoft.com/office/drawing/2014/main" id="{7DDE871B-7532-46C1-8F1C-66BBE2092F71}"/>
+              </a:ext>
+            </a:extLst>
+          </p:cNvPr>
+          <p:cNvPicPr>
+            <a:picLocks noChangeAspect="1"/>
+          </p:cNvPicPr>
+          <p:nvPr/>
+        </p:nvPicPr>
+        <p:blipFill>
+          <a:blip r:embed="rId2"/>
+          <a:stretch>
+            <a:fillRect/>
+          </a:stretch>
+        </p:blipFill>
+        <p:spPr>
+          <a:xfrm>
+            <a:off x="1681227" y="845261"/>
+            <a:ext cx="2290861" cy="2547862"/>
+          </a:xfrm>
+          <a:prstGeom prst="rect">
+            <a:avLst/>
+          </a:prstGeom>
+        </p:spPr>
+      </p:pic>
     </p:spTree>
     <p:extLst>
       <p:ext uri="{BB962C8B-B14F-4D97-AF65-F5344CB8AC3E}">
@@ -3423,1469 +3458,1541 @@
           <a:chExt cx="0" cy="0"/>
         </a:xfrm>
       </p:grpSpPr>
-      <p:pic>
-        <p:nvPicPr>
-          <p:cNvPr id="2" name="Grafik 1">
-            <a:extLst>
-              <a:ext uri="{FF2B5EF4-FFF2-40B4-BE49-F238E27FC236}">
-                <a16:creationId xmlns:a16="http://schemas.microsoft.com/office/drawing/2014/main" id="{859C0717-3900-47F2-9892-37DEBD6E12A3}"/>
-              </a:ext>
-            </a:extLst>
-          </p:cNvPr>
-          <p:cNvPicPr>
-            <a:picLocks noChangeAspect="1"/>
-          </p:cNvPicPr>
+      <p:grpSp>
+        <p:nvGrpSpPr>
+          <p:cNvPr id="10" name="Gruppieren 9">
+            <a:extLst>
+              <a:ext uri="{FF2B5EF4-FFF2-40B4-BE49-F238E27FC236}">
+                <a16:creationId xmlns:a16="http://schemas.microsoft.com/office/drawing/2014/main" id="{7D417F4C-AA59-4C8C-90C2-03FEC7533609}"/>
+              </a:ext>
+            </a:extLst>
+          </p:cNvPr>
+          <p:cNvGrpSpPr/>
           <p:nvPr/>
-        </p:nvPicPr>
-        <p:blipFill>
-          <a:blip r:embed="rId2"/>
-          <a:stretch>
-            <a:fillRect/>
-          </a:stretch>
-        </p:blipFill>
-        <p:spPr>
+        </p:nvGrpSpPr>
+        <p:grpSpPr>
           <a:xfrm>
-            <a:off x="4199098" y="2456505"/>
-            <a:ext cx="2290861" cy="2547862"/>
+            <a:off x="164244" y="160020"/>
+            <a:ext cx="3295045" cy="3889817"/>
+            <a:chOff x="3349404" y="922020"/>
+            <a:chExt cx="3295045" cy="3889817"/>
           </a:xfrm>
-          <a:prstGeom prst="rect">
-            <a:avLst/>
-          </a:prstGeom>
-        </p:spPr>
-      </p:pic>
-      <p:cxnSp>
-        <p:nvCxnSpPr>
-          <p:cNvPr id="4" name="Gerade Verbindung mit Pfeil 3">
-            <a:extLst>
-              <a:ext uri="{FF2B5EF4-FFF2-40B4-BE49-F238E27FC236}">
-                <a16:creationId xmlns:a16="http://schemas.microsoft.com/office/drawing/2014/main" id="{5C08B4D1-2798-4F02-8B2D-34247FBE0338}"/>
-              </a:ext>
-            </a:extLst>
-          </p:cNvPr>
-          <p:cNvCxnSpPr>
-            <a:endCxn id="2" idx="1"/>
-          </p:cNvCxnSpPr>
-          <p:nvPr/>
-        </p:nvCxnSpPr>
-        <p:spPr>
-          <a:xfrm flipH="1">
-            <a:off x="4199098" y="3017345"/>
-            <a:ext cx="1238315" cy="713091"/>
-          </a:xfrm>
-          <a:prstGeom prst="straightConnector1">
-            <a:avLst/>
-          </a:prstGeom>
-          <a:ln w="28575">
+        </p:grpSpPr>
+        <p:pic>
+          <p:nvPicPr>
+            <p:cNvPr id="6" name="Grafik 5">
+              <a:extLst>
+                <a:ext uri="{FF2B5EF4-FFF2-40B4-BE49-F238E27FC236}">
+                  <a16:creationId xmlns:a16="http://schemas.microsoft.com/office/drawing/2014/main" id="{14FC8801-18B7-43D3-BA40-D714D96F06E8}"/>
+                </a:ext>
+              </a:extLst>
+            </p:cNvPr>
+            <p:cNvPicPr>
+              <a:picLocks noChangeAspect="1"/>
+            </p:cNvPicPr>
+            <p:nvPr/>
+          </p:nvPicPr>
+          <p:blipFill>
+            <a:blip r:embed="rId2">
+              <a:extLst>
+                <a:ext uri="{28A0092B-C50C-407E-A947-70E740481C1C}">
+                  <a14:useLocalDpi xmlns:a14="http://schemas.microsoft.com/office/drawing/2010/main" val="0"/>
+                </a:ext>
+              </a:extLst>
+            </a:blip>
+            <a:stretch>
+              <a:fillRect/>
+            </a:stretch>
+          </p:blipFill>
+          <p:spPr>
+            <a:xfrm>
+              <a:off x="4661940" y="2088914"/>
+              <a:ext cx="1982509" cy="2351016"/>
+            </a:xfrm>
+            <a:prstGeom prst="rect">
+              <a:avLst/>
+            </a:prstGeom>
+          </p:spPr>
+        </p:pic>
+        <p:cxnSp>
+          <p:nvCxnSpPr>
+            <p:cNvPr id="4" name="Gerade Verbindung mit Pfeil 3">
+              <a:extLst>
+                <a:ext uri="{FF2B5EF4-FFF2-40B4-BE49-F238E27FC236}">
+                  <a16:creationId xmlns:a16="http://schemas.microsoft.com/office/drawing/2014/main" id="{5C08B4D1-2798-4F02-8B2D-34247FBE0338}"/>
+                </a:ext>
+              </a:extLst>
+            </p:cNvPr>
+            <p:cNvCxnSpPr>
+              <a:cxnSpLocks/>
+            </p:cNvCxnSpPr>
+            <p:nvPr/>
+          </p:nvCxnSpPr>
+          <p:spPr>
+            <a:xfrm flipH="1">
+              <a:off x="4210017" y="2986177"/>
+              <a:ext cx="1238315" cy="713091"/>
+            </a:xfrm>
+            <a:prstGeom prst="straightConnector1">
+              <a:avLst/>
+            </a:prstGeom>
+            <a:ln w="28575">
+              <a:solidFill>
+                <a:srgbClr val="84919E"/>
+              </a:solidFill>
+              <a:prstDash val="solid"/>
+              <a:tailEnd type="triangle"/>
+            </a:ln>
+          </p:spPr>
+          <p:style>
+            <a:lnRef idx="1">
+              <a:schemeClr val="accent1"/>
+            </a:lnRef>
+            <a:fillRef idx="0">
+              <a:schemeClr val="accent1"/>
+            </a:fillRef>
+            <a:effectRef idx="0">
+              <a:schemeClr val="accent1"/>
+            </a:effectRef>
+            <a:fontRef idx="minor">
+              <a:schemeClr val="tx1"/>
+            </a:fontRef>
+          </p:style>
+        </p:cxnSp>
+        <p:cxnSp>
+          <p:nvCxnSpPr>
+            <p:cNvPr id="5" name="Gerade Verbindung mit Pfeil 4">
+              <a:extLst>
+                <a:ext uri="{FF2B5EF4-FFF2-40B4-BE49-F238E27FC236}">
+                  <a16:creationId xmlns:a16="http://schemas.microsoft.com/office/drawing/2014/main" id="{7BDCBBF9-7E29-4B61-8ACB-567304ECCA23}"/>
+                </a:ext>
+              </a:extLst>
+            </p:cNvPr>
+            <p:cNvCxnSpPr>
+              <a:cxnSpLocks/>
+            </p:cNvCxnSpPr>
+            <p:nvPr/>
+          </p:nvCxnSpPr>
+          <p:spPr>
+            <a:xfrm flipV="1">
+              <a:off x="5437413" y="1793759"/>
+              <a:ext cx="0" cy="1223586"/>
+            </a:xfrm>
+            <a:prstGeom prst="straightConnector1">
+              <a:avLst/>
+            </a:prstGeom>
+            <a:ln w="28575">
+              <a:solidFill>
+                <a:srgbClr val="D5D6D7"/>
+              </a:solidFill>
+              <a:prstDash val="lgDash"/>
+              <a:tailEnd type="triangle"/>
+            </a:ln>
+          </p:spPr>
+          <p:style>
+            <a:lnRef idx="1">
+              <a:schemeClr val="accent1"/>
+            </a:lnRef>
+            <a:fillRef idx="0">
+              <a:schemeClr val="accent1"/>
+            </a:fillRef>
+            <a:effectRef idx="0">
+              <a:schemeClr val="accent1"/>
+            </a:effectRef>
+            <a:fontRef idx="minor">
+              <a:schemeClr val="tx1"/>
+            </a:fontRef>
+          </p:style>
+        </p:cxnSp>
+        <p:cxnSp>
+          <p:nvCxnSpPr>
+            <p:cNvPr id="8" name="Gerade Verbindung mit Pfeil 7">
+              <a:extLst>
+                <a:ext uri="{FF2B5EF4-FFF2-40B4-BE49-F238E27FC236}">
+                  <a16:creationId xmlns:a16="http://schemas.microsoft.com/office/drawing/2014/main" id="{03019A79-8004-4CCF-ABBA-0B6ED9071065}"/>
+                </a:ext>
+              </a:extLst>
+            </p:cNvPr>
+            <p:cNvCxnSpPr>
+              <a:cxnSpLocks/>
+            </p:cNvCxnSpPr>
+            <p:nvPr/>
+          </p:nvCxnSpPr>
+          <p:spPr>
+            <a:xfrm flipH="1" flipV="1">
+              <a:off x="4300325" y="2352924"/>
+              <a:ext cx="1137088" cy="664421"/>
+            </a:xfrm>
+            <a:prstGeom prst="straightConnector1">
+              <a:avLst/>
+            </a:prstGeom>
+            <a:ln w="28575">
+              <a:solidFill>
+                <a:srgbClr val="D5D6D7"/>
+              </a:solidFill>
+              <a:prstDash val="lgDash"/>
+              <a:tailEnd type="triangle"/>
+            </a:ln>
+          </p:spPr>
+          <p:style>
+            <a:lnRef idx="1">
+              <a:schemeClr val="accent1"/>
+            </a:lnRef>
+            <a:fillRef idx="0">
+              <a:schemeClr val="accent1"/>
+            </a:fillRef>
+            <a:effectRef idx="0">
+              <a:schemeClr val="accent1"/>
+            </a:effectRef>
+            <a:fontRef idx="minor">
+              <a:schemeClr val="tx1"/>
+            </a:fontRef>
+          </p:style>
+        </p:cxnSp>
+        <p:cxnSp>
+          <p:nvCxnSpPr>
+            <p:cNvPr id="13" name="Gerader Verbinder 12">
+              <a:extLst>
+                <a:ext uri="{FF2B5EF4-FFF2-40B4-BE49-F238E27FC236}">
+                  <a16:creationId xmlns:a16="http://schemas.microsoft.com/office/drawing/2014/main" id="{B2D9191A-0826-4A76-86D4-95A35D5EF9D3}"/>
+                </a:ext>
+              </a:extLst>
+            </p:cNvPr>
+            <p:cNvCxnSpPr/>
+            <p:nvPr/>
+          </p:nvCxnSpPr>
+          <p:spPr>
+            <a:xfrm flipV="1">
+              <a:off x="5260848" y="1793759"/>
+              <a:ext cx="0" cy="1132321"/>
+            </a:xfrm>
+            <a:prstGeom prst="line">
+              <a:avLst/>
+            </a:prstGeom>
+            <a:ln>
+              <a:solidFill>
+                <a:schemeClr val="bg1">
+                  <a:lumMod val="65000"/>
+                </a:schemeClr>
+              </a:solidFill>
+              <a:prstDash val="sysDash"/>
+            </a:ln>
+          </p:spPr>
+          <p:style>
+            <a:lnRef idx="1">
+              <a:schemeClr val="accent1"/>
+            </a:lnRef>
+            <a:fillRef idx="0">
+              <a:schemeClr val="accent1"/>
+            </a:fillRef>
+            <a:effectRef idx="0">
+              <a:schemeClr val="accent1"/>
+            </a:effectRef>
+            <a:fontRef idx="minor">
+              <a:schemeClr val="tx1"/>
+            </a:fontRef>
+          </p:style>
+        </p:cxnSp>
+        <p:cxnSp>
+          <p:nvCxnSpPr>
+            <p:cNvPr id="14" name="Gerader Verbinder 13">
+              <a:extLst>
+                <a:ext uri="{FF2B5EF4-FFF2-40B4-BE49-F238E27FC236}">
+                  <a16:creationId xmlns:a16="http://schemas.microsoft.com/office/drawing/2014/main" id="{17A35A84-A9D1-4F34-879C-56BE6854B5F0}"/>
+                </a:ext>
+              </a:extLst>
+            </p:cNvPr>
+            <p:cNvCxnSpPr/>
+            <p:nvPr/>
+          </p:nvCxnSpPr>
+          <p:spPr>
+            <a:xfrm flipV="1">
+              <a:off x="5070348" y="1675649"/>
+              <a:ext cx="0" cy="1132321"/>
+            </a:xfrm>
+            <a:prstGeom prst="line">
+              <a:avLst/>
+            </a:prstGeom>
+            <a:ln>
+              <a:solidFill>
+                <a:schemeClr val="bg1">
+                  <a:lumMod val="65000"/>
+                </a:schemeClr>
+              </a:solidFill>
+              <a:prstDash val="sysDash"/>
+            </a:ln>
+          </p:spPr>
+          <p:style>
+            <a:lnRef idx="1">
+              <a:schemeClr val="accent1"/>
+            </a:lnRef>
+            <a:fillRef idx="0">
+              <a:schemeClr val="accent1"/>
+            </a:fillRef>
+            <a:effectRef idx="0">
+              <a:schemeClr val="accent1"/>
+            </a:effectRef>
+            <a:fontRef idx="minor">
+              <a:schemeClr val="tx1"/>
+            </a:fontRef>
+          </p:style>
+        </p:cxnSp>
+        <p:cxnSp>
+          <p:nvCxnSpPr>
+            <p:cNvPr id="15" name="Gerader Verbinder 14">
+              <a:extLst>
+                <a:ext uri="{FF2B5EF4-FFF2-40B4-BE49-F238E27FC236}">
+                  <a16:creationId xmlns:a16="http://schemas.microsoft.com/office/drawing/2014/main" id="{3568434F-76AA-483D-847E-A949940C89B9}"/>
+                </a:ext>
+              </a:extLst>
+            </p:cNvPr>
+            <p:cNvCxnSpPr/>
+            <p:nvPr/>
+          </p:nvCxnSpPr>
+          <p:spPr>
+            <a:xfrm flipV="1">
+              <a:off x="4898898" y="1580399"/>
+              <a:ext cx="0" cy="1132321"/>
+            </a:xfrm>
+            <a:prstGeom prst="line">
+              <a:avLst/>
+            </a:prstGeom>
+            <a:ln>
+              <a:solidFill>
+                <a:schemeClr val="bg1">
+                  <a:lumMod val="65000"/>
+                </a:schemeClr>
+              </a:solidFill>
+              <a:prstDash val="sysDash"/>
+            </a:ln>
+          </p:spPr>
+          <p:style>
+            <a:lnRef idx="1">
+              <a:schemeClr val="accent1"/>
+            </a:lnRef>
+            <a:fillRef idx="0">
+              <a:schemeClr val="accent1"/>
+            </a:fillRef>
+            <a:effectRef idx="0">
+              <a:schemeClr val="accent1"/>
+            </a:effectRef>
+            <a:fontRef idx="minor">
+              <a:schemeClr val="tx1"/>
+            </a:fontRef>
+          </p:style>
+        </p:cxnSp>
+        <p:cxnSp>
+          <p:nvCxnSpPr>
+            <p:cNvPr id="16" name="Gerader Verbinder 15">
+              <a:extLst>
+                <a:ext uri="{FF2B5EF4-FFF2-40B4-BE49-F238E27FC236}">
+                  <a16:creationId xmlns:a16="http://schemas.microsoft.com/office/drawing/2014/main" id="{5E6465EB-137D-40E3-B1AB-56ECED43A220}"/>
+                </a:ext>
+              </a:extLst>
+            </p:cNvPr>
+            <p:cNvCxnSpPr/>
+            <p:nvPr/>
+          </p:nvCxnSpPr>
+          <p:spPr>
+            <a:xfrm flipV="1">
+              <a:off x="4719828" y="1469909"/>
+              <a:ext cx="0" cy="1132321"/>
+            </a:xfrm>
+            <a:prstGeom prst="line">
+              <a:avLst/>
+            </a:prstGeom>
+            <a:ln>
+              <a:solidFill>
+                <a:schemeClr val="bg1">
+                  <a:lumMod val="65000"/>
+                </a:schemeClr>
+              </a:solidFill>
+              <a:prstDash val="sysDash"/>
+            </a:ln>
+          </p:spPr>
+          <p:style>
+            <a:lnRef idx="1">
+              <a:schemeClr val="accent1"/>
+            </a:lnRef>
+            <a:fillRef idx="0">
+              <a:schemeClr val="accent1"/>
+            </a:fillRef>
+            <a:effectRef idx="0">
+              <a:schemeClr val="accent1"/>
+            </a:effectRef>
+            <a:fontRef idx="minor">
+              <a:schemeClr val="tx1"/>
+            </a:fontRef>
+          </p:style>
+        </p:cxnSp>
+        <p:cxnSp>
+          <p:nvCxnSpPr>
+            <p:cNvPr id="17" name="Gerader Verbinder 16">
+              <a:extLst>
+                <a:ext uri="{FF2B5EF4-FFF2-40B4-BE49-F238E27FC236}">
+                  <a16:creationId xmlns:a16="http://schemas.microsoft.com/office/drawing/2014/main" id="{D4ED77FC-3511-4C17-9C2E-A64D14733A84}"/>
+                </a:ext>
+              </a:extLst>
+            </p:cNvPr>
+            <p:cNvCxnSpPr/>
+            <p:nvPr/>
+          </p:nvCxnSpPr>
+          <p:spPr>
+            <a:xfrm flipV="1">
+              <a:off x="4548378" y="1358668"/>
+              <a:ext cx="0" cy="1132321"/>
+            </a:xfrm>
+            <a:prstGeom prst="line">
+              <a:avLst/>
+            </a:prstGeom>
+            <a:ln>
+              <a:solidFill>
+                <a:schemeClr val="bg1">
+                  <a:lumMod val="65000"/>
+                </a:schemeClr>
+              </a:solidFill>
+              <a:prstDash val="sysDash"/>
+            </a:ln>
+          </p:spPr>
+          <p:style>
+            <a:lnRef idx="1">
+              <a:schemeClr val="accent1"/>
+            </a:lnRef>
+            <a:fillRef idx="0">
+              <a:schemeClr val="accent1"/>
+            </a:fillRef>
+            <a:effectRef idx="0">
+              <a:schemeClr val="accent1"/>
+            </a:effectRef>
+            <a:fontRef idx="minor">
+              <a:schemeClr val="tx1"/>
+            </a:fontRef>
+          </p:style>
+        </p:cxnSp>
+        <p:cxnSp>
+          <p:nvCxnSpPr>
+            <p:cNvPr id="18" name="Gerader Verbinder 17">
+              <a:extLst>
+                <a:ext uri="{FF2B5EF4-FFF2-40B4-BE49-F238E27FC236}">
+                  <a16:creationId xmlns:a16="http://schemas.microsoft.com/office/drawing/2014/main" id="{FC54D4AC-8456-4057-B794-76E5CF5E12FC}"/>
+                </a:ext>
+              </a:extLst>
+            </p:cNvPr>
+            <p:cNvCxnSpPr>
+              <a:cxnSpLocks/>
+            </p:cNvCxnSpPr>
+            <p:nvPr/>
+          </p:nvCxnSpPr>
+          <p:spPr>
+            <a:xfrm flipH="1" flipV="1">
+              <a:off x="4457700" y="2205991"/>
+              <a:ext cx="979712" cy="552449"/>
+            </a:xfrm>
+            <a:prstGeom prst="line">
+              <a:avLst/>
+            </a:prstGeom>
+            <a:ln>
+              <a:solidFill>
+                <a:schemeClr val="bg1">
+                  <a:lumMod val="65000"/>
+                </a:schemeClr>
+              </a:solidFill>
+              <a:prstDash val="sysDash"/>
+            </a:ln>
+          </p:spPr>
+          <p:style>
+            <a:lnRef idx="1">
+              <a:schemeClr val="accent1"/>
+            </a:lnRef>
+            <a:fillRef idx="0">
+              <a:schemeClr val="accent1"/>
+            </a:fillRef>
+            <a:effectRef idx="0">
+              <a:schemeClr val="accent1"/>
+            </a:effectRef>
+            <a:fontRef idx="minor">
+              <a:schemeClr val="tx1"/>
+            </a:fontRef>
+          </p:style>
+        </p:cxnSp>
+        <p:cxnSp>
+          <p:nvCxnSpPr>
+            <p:cNvPr id="22" name="Gerader Verbinder 21">
+              <a:extLst>
+                <a:ext uri="{FF2B5EF4-FFF2-40B4-BE49-F238E27FC236}">
+                  <a16:creationId xmlns:a16="http://schemas.microsoft.com/office/drawing/2014/main" id="{32DC8F5F-BC72-4A43-8C9C-990F0C7A40F9}"/>
+                </a:ext>
+              </a:extLst>
+            </p:cNvPr>
+            <p:cNvCxnSpPr>
+              <a:cxnSpLocks/>
+            </p:cNvCxnSpPr>
+            <p:nvPr/>
+          </p:nvCxnSpPr>
+          <p:spPr>
+            <a:xfrm flipH="1" flipV="1">
+              <a:off x="4457700" y="1975399"/>
+              <a:ext cx="979712" cy="552449"/>
+            </a:xfrm>
+            <a:prstGeom prst="line">
+              <a:avLst/>
+            </a:prstGeom>
+            <a:ln>
+              <a:solidFill>
+                <a:schemeClr val="bg1">
+                  <a:lumMod val="65000"/>
+                </a:schemeClr>
+              </a:solidFill>
+              <a:prstDash val="sysDash"/>
+            </a:ln>
+          </p:spPr>
+          <p:style>
+            <a:lnRef idx="1">
+              <a:schemeClr val="accent1"/>
+            </a:lnRef>
+            <a:fillRef idx="0">
+              <a:schemeClr val="accent1"/>
+            </a:fillRef>
+            <a:effectRef idx="0">
+              <a:schemeClr val="accent1"/>
+            </a:effectRef>
+            <a:fontRef idx="minor">
+              <a:schemeClr val="tx1"/>
+            </a:fontRef>
+          </p:style>
+        </p:cxnSp>
+        <p:cxnSp>
+          <p:nvCxnSpPr>
+            <p:cNvPr id="23" name="Gerader Verbinder 22">
+              <a:extLst>
+                <a:ext uri="{FF2B5EF4-FFF2-40B4-BE49-F238E27FC236}">
+                  <a16:creationId xmlns:a16="http://schemas.microsoft.com/office/drawing/2014/main" id="{38615FED-F81A-4F08-BE29-8C7DE09601FD}"/>
+                </a:ext>
+              </a:extLst>
+            </p:cNvPr>
+            <p:cNvCxnSpPr>
+              <a:cxnSpLocks/>
+            </p:cNvCxnSpPr>
+            <p:nvPr/>
+          </p:nvCxnSpPr>
+          <p:spPr>
+            <a:xfrm flipH="1" flipV="1">
+              <a:off x="4457700" y="1755996"/>
+              <a:ext cx="979712" cy="552449"/>
+            </a:xfrm>
+            <a:prstGeom prst="line">
+              <a:avLst/>
+            </a:prstGeom>
+            <a:ln>
+              <a:solidFill>
+                <a:schemeClr val="bg1">
+                  <a:lumMod val="65000"/>
+                </a:schemeClr>
+              </a:solidFill>
+              <a:prstDash val="sysDash"/>
+            </a:ln>
+          </p:spPr>
+          <p:style>
+            <a:lnRef idx="1">
+              <a:schemeClr val="accent1"/>
+            </a:lnRef>
+            <a:fillRef idx="0">
+              <a:schemeClr val="accent1"/>
+            </a:fillRef>
+            <a:effectRef idx="0">
+              <a:schemeClr val="accent1"/>
+            </a:effectRef>
+            <a:fontRef idx="minor">
+              <a:schemeClr val="tx1"/>
+            </a:fontRef>
+          </p:style>
+        </p:cxnSp>
+        <p:cxnSp>
+          <p:nvCxnSpPr>
+            <p:cNvPr id="24" name="Gerader Verbinder 23">
+              <a:extLst>
+                <a:ext uri="{FF2B5EF4-FFF2-40B4-BE49-F238E27FC236}">
+                  <a16:creationId xmlns:a16="http://schemas.microsoft.com/office/drawing/2014/main" id="{821D9B6C-995D-4094-98D3-E813C6B41D43}"/>
+                </a:ext>
+              </a:extLst>
+            </p:cNvPr>
+            <p:cNvCxnSpPr>
+              <a:cxnSpLocks/>
+            </p:cNvCxnSpPr>
+            <p:nvPr/>
+          </p:nvCxnSpPr>
+          <p:spPr>
+            <a:xfrm flipH="1" flipV="1">
+              <a:off x="4457700" y="1552337"/>
+              <a:ext cx="979712" cy="552449"/>
+            </a:xfrm>
+            <a:prstGeom prst="line">
+              <a:avLst/>
+            </a:prstGeom>
+            <a:ln>
+              <a:solidFill>
+                <a:schemeClr val="bg1">
+                  <a:lumMod val="65000"/>
+                </a:schemeClr>
+              </a:solidFill>
+              <a:prstDash val="sysDash"/>
+            </a:ln>
+          </p:spPr>
+          <p:style>
+            <a:lnRef idx="1">
+              <a:schemeClr val="accent1"/>
+            </a:lnRef>
+            <a:fillRef idx="0">
+              <a:schemeClr val="accent1"/>
+            </a:fillRef>
+            <a:effectRef idx="0">
+              <a:schemeClr val="accent1"/>
+            </a:effectRef>
+            <a:fontRef idx="minor">
+              <a:schemeClr val="tx1"/>
+            </a:fontRef>
+          </p:style>
+        </p:cxnSp>
+        <p:cxnSp>
+          <p:nvCxnSpPr>
+            <p:cNvPr id="30" name="Gerader Verbinder 29">
+              <a:extLst>
+                <a:ext uri="{FF2B5EF4-FFF2-40B4-BE49-F238E27FC236}">
+                  <a16:creationId xmlns:a16="http://schemas.microsoft.com/office/drawing/2014/main" id="{655AC789-C857-45CA-B39A-62B1D999F241}"/>
+                </a:ext>
+              </a:extLst>
+            </p:cNvPr>
+            <p:cNvCxnSpPr>
+              <a:cxnSpLocks/>
+            </p:cNvCxnSpPr>
+            <p:nvPr/>
+          </p:nvCxnSpPr>
+          <p:spPr>
+            <a:xfrm flipV="1">
+              <a:off x="4114800" y="2915258"/>
+              <a:ext cx="1135894" cy="642415"/>
+            </a:xfrm>
+            <a:prstGeom prst="line">
+              <a:avLst/>
+            </a:prstGeom>
+            <a:ln>
+              <a:solidFill>
+                <a:schemeClr val="bg1">
+                  <a:lumMod val="65000"/>
+                </a:schemeClr>
+              </a:solidFill>
+              <a:prstDash val="sysDash"/>
+            </a:ln>
+          </p:spPr>
+          <p:style>
+            <a:lnRef idx="1">
+              <a:schemeClr val="accent1"/>
+            </a:lnRef>
+            <a:fillRef idx="0">
+              <a:schemeClr val="accent1"/>
+            </a:fillRef>
+            <a:effectRef idx="0">
+              <a:schemeClr val="accent1"/>
+            </a:effectRef>
+            <a:fontRef idx="minor">
+              <a:schemeClr val="tx1"/>
+            </a:fontRef>
+          </p:style>
+        </p:cxnSp>
+        <p:cxnSp>
+          <p:nvCxnSpPr>
+            <p:cNvPr id="34" name="Gerader Verbinder 33">
+              <a:extLst>
+                <a:ext uri="{FF2B5EF4-FFF2-40B4-BE49-F238E27FC236}">
+                  <a16:creationId xmlns:a16="http://schemas.microsoft.com/office/drawing/2014/main" id="{60EA52AA-B0A1-4823-8830-E2580C00E179}"/>
+                </a:ext>
+              </a:extLst>
+            </p:cNvPr>
+            <p:cNvCxnSpPr>
+              <a:cxnSpLocks/>
+            </p:cNvCxnSpPr>
+            <p:nvPr/>
+          </p:nvCxnSpPr>
+          <p:spPr>
+            <a:xfrm flipV="1">
+              <a:off x="3938236" y="2805156"/>
+              <a:ext cx="1127035" cy="623844"/>
+            </a:xfrm>
+            <a:prstGeom prst="line">
+              <a:avLst/>
+            </a:prstGeom>
+            <a:ln>
+              <a:solidFill>
+                <a:schemeClr val="bg1">
+                  <a:lumMod val="65000"/>
+                </a:schemeClr>
+              </a:solidFill>
+              <a:prstDash val="sysDash"/>
+            </a:ln>
+          </p:spPr>
+          <p:style>
+            <a:lnRef idx="1">
+              <a:schemeClr val="accent1"/>
+            </a:lnRef>
+            <a:fillRef idx="0">
+              <a:schemeClr val="accent1"/>
+            </a:fillRef>
+            <a:effectRef idx="0">
+              <a:schemeClr val="accent1"/>
+            </a:effectRef>
+            <a:fontRef idx="minor">
+              <a:schemeClr val="tx1"/>
+            </a:fontRef>
+          </p:style>
+        </p:cxnSp>
+        <p:cxnSp>
+          <p:nvCxnSpPr>
+            <p:cNvPr id="35" name="Gerader Verbinder 34">
+              <a:extLst>
+                <a:ext uri="{FF2B5EF4-FFF2-40B4-BE49-F238E27FC236}">
+                  <a16:creationId xmlns:a16="http://schemas.microsoft.com/office/drawing/2014/main" id="{B963468D-6299-49B2-A1A9-7D7EFBCE4DDC}"/>
+                </a:ext>
+              </a:extLst>
+            </p:cNvPr>
+            <p:cNvCxnSpPr>
+              <a:cxnSpLocks/>
+            </p:cNvCxnSpPr>
+            <p:nvPr/>
+          </p:nvCxnSpPr>
+          <p:spPr>
+            <a:xfrm flipV="1">
+              <a:off x="3759322" y="2703436"/>
+              <a:ext cx="1139575" cy="609992"/>
+            </a:xfrm>
+            <a:prstGeom prst="line">
+              <a:avLst/>
+            </a:prstGeom>
+            <a:ln>
+              <a:solidFill>
+                <a:schemeClr val="bg1">
+                  <a:lumMod val="65000"/>
+                </a:schemeClr>
+              </a:solidFill>
+              <a:prstDash val="sysDash"/>
+            </a:ln>
+          </p:spPr>
+          <p:style>
+            <a:lnRef idx="1">
+              <a:schemeClr val="accent1"/>
+            </a:lnRef>
+            <a:fillRef idx="0">
+              <a:schemeClr val="accent1"/>
+            </a:fillRef>
+            <a:effectRef idx="0">
+              <a:schemeClr val="accent1"/>
+            </a:effectRef>
+            <a:fontRef idx="minor">
+              <a:schemeClr val="tx1"/>
+            </a:fontRef>
+          </p:style>
+        </p:cxnSp>
+        <p:cxnSp>
+          <p:nvCxnSpPr>
+            <p:cNvPr id="39" name="Gerader Verbinder 38">
+              <a:extLst>
+                <a:ext uri="{FF2B5EF4-FFF2-40B4-BE49-F238E27FC236}">
+                  <a16:creationId xmlns:a16="http://schemas.microsoft.com/office/drawing/2014/main" id="{B9AAE581-F781-4D5D-BDC6-55A61BFFB68E}"/>
+                </a:ext>
+              </a:extLst>
+            </p:cNvPr>
+            <p:cNvCxnSpPr>
+              <a:cxnSpLocks/>
+            </p:cNvCxnSpPr>
+            <p:nvPr/>
+          </p:nvCxnSpPr>
+          <p:spPr>
+            <a:xfrm flipV="1">
+              <a:off x="3587162" y="2589485"/>
+              <a:ext cx="1139575" cy="609992"/>
+            </a:xfrm>
+            <a:prstGeom prst="line">
+              <a:avLst/>
+            </a:prstGeom>
+            <a:ln>
+              <a:solidFill>
+                <a:schemeClr val="bg1">
+                  <a:lumMod val="65000"/>
+                </a:schemeClr>
+              </a:solidFill>
+              <a:prstDash val="sysDash"/>
+            </a:ln>
+          </p:spPr>
+          <p:style>
+            <a:lnRef idx="1">
+              <a:schemeClr val="accent1"/>
+            </a:lnRef>
+            <a:fillRef idx="0">
+              <a:schemeClr val="accent1"/>
+            </a:fillRef>
+            <a:effectRef idx="0">
+              <a:schemeClr val="accent1"/>
+            </a:effectRef>
+            <a:fontRef idx="minor">
+              <a:schemeClr val="tx1"/>
+            </a:fontRef>
+          </p:style>
+        </p:cxnSp>
+        <p:cxnSp>
+          <p:nvCxnSpPr>
+            <p:cNvPr id="40" name="Gerader Verbinder 39">
+              <a:extLst>
+                <a:ext uri="{FF2B5EF4-FFF2-40B4-BE49-F238E27FC236}">
+                  <a16:creationId xmlns:a16="http://schemas.microsoft.com/office/drawing/2014/main" id="{55E83AC1-B86C-4C80-953B-DE2F796879F0}"/>
+                </a:ext>
+              </a:extLst>
+            </p:cNvPr>
+            <p:cNvCxnSpPr>
+              <a:cxnSpLocks/>
+            </p:cNvCxnSpPr>
+            <p:nvPr/>
+          </p:nvCxnSpPr>
+          <p:spPr>
+            <a:xfrm flipV="1">
+              <a:off x="3409423" y="2498618"/>
+              <a:ext cx="1139575" cy="609992"/>
+            </a:xfrm>
+            <a:prstGeom prst="line">
+              <a:avLst/>
+            </a:prstGeom>
+            <a:ln>
+              <a:solidFill>
+                <a:schemeClr val="bg1">
+                  <a:lumMod val="65000"/>
+                </a:schemeClr>
+              </a:solidFill>
+              <a:prstDash val="sysDash"/>
+            </a:ln>
+          </p:spPr>
+          <p:style>
+            <a:lnRef idx="1">
+              <a:schemeClr val="accent1"/>
+            </a:lnRef>
+            <a:fillRef idx="0">
+              <a:schemeClr val="accent1"/>
+            </a:fillRef>
+            <a:effectRef idx="0">
+              <a:schemeClr val="accent1"/>
+            </a:effectRef>
+            <a:fontRef idx="minor">
+              <a:schemeClr val="tx1"/>
+            </a:fontRef>
+          </p:style>
+        </p:cxnSp>
+        <p:cxnSp>
+          <p:nvCxnSpPr>
+            <p:cNvPr id="41" name="Gerader Verbinder 40">
+              <a:extLst>
+                <a:ext uri="{FF2B5EF4-FFF2-40B4-BE49-F238E27FC236}">
+                  <a16:creationId xmlns:a16="http://schemas.microsoft.com/office/drawing/2014/main" id="{FE4839EC-8491-484A-B403-FF959D62EFFA}"/>
+                </a:ext>
+              </a:extLst>
+            </p:cNvPr>
+            <p:cNvCxnSpPr>
+              <a:cxnSpLocks/>
+            </p:cNvCxnSpPr>
+            <p:nvPr/>
+          </p:nvCxnSpPr>
+          <p:spPr>
+            <a:xfrm>
+              <a:off x="4239420" y="2545721"/>
+              <a:ext cx="983226" cy="585575"/>
+            </a:xfrm>
+            <a:prstGeom prst="line">
+              <a:avLst/>
+            </a:prstGeom>
+            <a:ln>
+              <a:solidFill>
+                <a:schemeClr val="bg1">
+                  <a:lumMod val="65000"/>
+                </a:schemeClr>
+              </a:solidFill>
+              <a:prstDash val="sysDash"/>
+            </a:ln>
+          </p:spPr>
+          <p:style>
+            <a:lnRef idx="1">
+              <a:schemeClr val="accent1"/>
+            </a:lnRef>
+            <a:fillRef idx="0">
+              <a:schemeClr val="accent1"/>
+            </a:fillRef>
+            <a:effectRef idx="0">
+              <a:schemeClr val="accent1"/>
+            </a:effectRef>
+            <a:fontRef idx="minor">
+              <a:schemeClr val="tx1"/>
+            </a:fontRef>
+          </p:style>
+        </p:cxnSp>
+        <p:cxnSp>
+          <p:nvCxnSpPr>
+            <p:cNvPr id="45" name="Gerader Verbinder 44">
+              <a:extLst>
+                <a:ext uri="{FF2B5EF4-FFF2-40B4-BE49-F238E27FC236}">
+                  <a16:creationId xmlns:a16="http://schemas.microsoft.com/office/drawing/2014/main" id="{02E86816-5801-40A8-A2D9-8C3B60D2DA3D}"/>
+                </a:ext>
+              </a:extLst>
+            </p:cNvPr>
+            <p:cNvCxnSpPr>
+              <a:cxnSpLocks/>
+            </p:cNvCxnSpPr>
+            <p:nvPr/>
+          </p:nvCxnSpPr>
+          <p:spPr>
+            <a:xfrm>
+              <a:off x="4044973" y="2653971"/>
+              <a:ext cx="983226" cy="585575"/>
+            </a:xfrm>
+            <a:prstGeom prst="line">
+              <a:avLst/>
+            </a:prstGeom>
+            <a:ln>
+              <a:solidFill>
+                <a:schemeClr val="bg1">
+                  <a:lumMod val="65000"/>
+                </a:schemeClr>
+              </a:solidFill>
+              <a:prstDash val="sysDash"/>
+            </a:ln>
+          </p:spPr>
+          <p:style>
+            <a:lnRef idx="1">
+              <a:schemeClr val="accent1"/>
+            </a:lnRef>
+            <a:fillRef idx="0">
+              <a:schemeClr val="accent1"/>
+            </a:fillRef>
+            <a:effectRef idx="0">
+              <a:schemeClr val="accent1"/>
+            </a:effectRef>
+            <a:fontRef idx="minor">
+              <a:schemeClr val="tx1"/>
+            </a:fontRef>
+          </p:style>
+        </p:cxnSp>
+        <p:cxnSp>
+          <p:nvCxnSpPr>
+            <p:cNvPr id="46" name="Gerader Verbinder 45">
+              <a:extLst>
+                <a:ext uri="{FF2B5EF4-FFF2-40B4-BE49-F238E27FC236}">
+                  <a16:creationId xmlns:a16="http://schemas.microsoft.com/office/drawing/2014/main" id="{C4224CAA-B38F-4EA8-ABFC-FA33D9AA5D12}"/>
+                </a:ext>
+              </a:extLst>
+            </p:cNvPr>
+            <p:cNvCxnSpPr>
+              <a:cxnSpLocks/>
+            </p:cNvCxnSpPr>
+            <p:nvPr/>
+          </p:nvCxnSpPr>
+          <p:spPr>
+            <a:xfrm>
+              <a:off x="3864137" y="2766670"/>
+              <a:ext cx="983226" cy="585575"/>
+            </a:xfrm>
+            <a:prstGeom prst="line">
+              <a:avLst/>
+            </a:prstGeom>
+            <a:ln>
+              <a:solidFill>
+                <a:schemeClr val="bg1">
+                  <a:lumMod val="65000"/>
+                </a:schemeClr>
+              </a:solidFill>
+              <a:prstDash val="sysDash"/>
+            </a:ln>
+          </p:spPr>
+          <p:style>
+            <a:lnRef idx="1">
+              <a:schemeClr val="accent1"/>
+            </a:lnRef>
+            <a:fillRef idx="0">
+              <a:schemeClr val="accent1"/>
+            </a:fillRef>
+            <a:effectRef idx="0">
+              <a:schemeClr val="accent1"/>
+            </a:effectRef>
+            <a:fontRef idx="minor">
+              <a:schemeClr val="tx1"/>
+            </a:fontRef>
+          </p:style>
+        </p:cxnSp>
+        <p:cxnSp>
+          <p:nvCxnSpPr>
+            <p:cNvPr id="47" name="Gerader Verbinder 46">
+              <a:extLst>
+                <a:ext uri="{FF2B5EF4-FFF2-40B4-BE49-F238E27FC236}">
+                  <a16:creationId xmlns:a16="http://schemas.microsoft.com/office/drawing/2014/main" id="{50D18670-5BA9-4499-AC6B-46B58B6D1573}"/>
+                </a:ext>
+              </a:extLst>
+            </p:cNvPr>
+            <p:cNvCxnSpPr>
+              <a:cxnSpLocks/>
+            </p:cNvCxnSpPr>
+            <p:nvPr/>
+          </p:nvCxnSpPr>
+          <p:spPr>
+            <a:xfrm>
+              <a:off x="3678714" y="2896211"/>
+              <a:ext cx="983226" cy="585575"/>
+            </a:xfrm>
+            <a:prstGeom prst="line">
+              <a:avLst/>
+            </a:prstGeom>
+            <a:ln>
+              <a:solidFill>
+                <a:schemeClr val="bg1">
+                  <a:lumMod val="65000"/>
+                </a:schemeClr>
+              </a:solidFill>
+              <a:prstDash val="sysDash"/>
+            </a:ln>
+          </p:spPr>
+          <p:style>
+            <a:lnRef idx="1">
+              <a:schemeClr val="accent1"/>
+            </a:lnRef>
+            <a:fillRef idx="0">
+              <a:schemeClr val="accent1"/>
+            </a:fillRef>
+            <a:effectRef idx="0">
+              <a:schemeClr val="accent1"/>
+            </a:effectRef>
+            <a:fontRef idx="minor">
+              <a:schemeClr val="tx1"/>
+            </a:fontRef>
+          </p:style>
+        </p:cxnSp>
+        <p:cxnSp>
+          <p:nvCxnSpPr>
+            <p:cNvPr id="48" name="Gerader Verbinder 47">
+              <a:extLst>
+                <a:ext uri="{FF2B5EF4-FFF2-40B4-BE49-F238E27FC236}">
+                  <a16:creationId xmlns:a16="http://schemas.microsoft.com/office/drawing/2014/main" id="{5613CFBE-91C6-40A5-B615-69986F52A2F6}"/>
+                </a:ext>
+              </a:extLst>
+            </p:cNvPr>
+            <p:cNvCxnSpPr>
+              <a:cxnSpLocks/>
+            </p:cNvCxnSpPr>
+            <p:nvPr/>
+          </p:nvCxnSpPr>
+          <p:spPr>
+            <a:xfrm>
+              <a:off x="3465078" y="3008597"/>
+              <a:ext cx="983226" cy="585575"/>
+            </a:xfrm>
+            <a:prstGeom prst="line">
+              <a:avLst/>
+            </a:prstGeom>
+            <a:ln>
+              <a:solidFill>
+                <a:schemeClr val="bg1">
+                  <a:lumMod val="65000"/>
+                </a:schemeClr>
+              </a:solidFill>
+              <a:prstDash val="sysDash"/>
+            </a:ln>
+          </p:spPr>
+          <p:style>
+            <a:lnRef idx="1">
+              <a:schemeClr val="accent1"/>
+            </a:lnRef>
+            <a:fillRef idx="0">
+              <a:schemeClr val="accent1"/>
+            </a:fillRef>
+            <a:effectRef idx="0">
+              <a:schemeClr val="accent1"/>
+            </a:effectRef>
+            <a:fontRef idx="minor">
+              <a:schemeClr val="tx1"/>
+            </a:fontRef>
+          </p:style>
+        </p:cxnSp>
+        <p:cxnSp>
+          <p:nvCxnSpPr>
+            <p:cNvPr id="50" name="Gerade Verbindung mit Pfeil 49">
+              <a:extLst>
+                <a:ext uri="{FF2B5EF4-FFF2-40B4-BE49-F238E27FC236}">
+                  <a16:creationId xmlns:a16="http://schemas.microsoft.com/office/drawing/2014/main" id="{FB611E99-C2A2-4ED9-BC3C-E4E7162B6867}"/>
+                </a:ext>
+              </a:extLst>
+            </p:cNvPr>
+            <p:cNvCxnSpPr>
+              <a:cxnSpLocks/>
+            </p:cNvCxnSpPr>
+            <p:nvPr/>
+          </p:nvCxnSpPr>
+          <p:spPr>
+            <a:xfrm flipH="1" flipV="1">
+              <a:off x="4030813" y="2707895"/>
+              <a:ext cx="1406599" cy="309451"/>
+            </a:xfrm>
+            <a:prstGeom prst="straightConnector1">
+              <a:avLst/>
+            </a:prstGeom>
+            <a:ln w="28575">
+              <a:solidFill>
+                <a:srgbClr val="2286D7"/>
+              </a:solidFill>
+              <a:tailEnd type="triangle"/>
+            </a:ln>
+          </p:spPr>
+          <p:style>
+            <a:lnRef idx="1">
+              <a:schemeClr val="accent1"/>
+            </a:lnRef>
+            <a:fillRef idx="0">
+              <a:schemeClr val="accent1"/>
+            </a:fillRef>
+            <a:effectRef idx="0">
+              <a:schemeClr val="accent1"/>
+            </a:effectRef>
+            <a:fontRef idx="minor">
+              <a:schemeClr val="tx1"/>
+            </a:fontRef>
+          </p:style>
+        </p:cxnSp>
+        <p:cxnSp>
+          <p:nvCxnSpPr>
+            <p:cNvPr id="53" name="Gerade Verbindung mit Pfeil 52">
+              <a:extLst>
+                <a:ext uri="{FF2B5EF4-FFF2-40B4-BE49-F238E27FC236}">
+                  <a16:creationId xmlns:a16="http://schemas.microsoft.com/office/drawing/2014/main" id="{B632772A-F1F8-4A6A-9D07-6AF0B311F0F9}"/>
+                </a:ext>
+              </a:extLst>
+            </p:cNvPr>
+            <p:cNvCxnSpPr>
+              <a:cxnSpLocks/>
+            </p:cNvCxnSpPr>
+            <p:nvPr/>
+          </p:nvCxnSpPr>
+          <p:spPr>
+            <a:xfrm flipH="1">
+              <a:off x="3954000" y="3013512"/>
+              <a:ext cx="1473258" cy="193531"/>
+            </a:xfrm>
+            <a:prstGeom prst="straightConnector1">
+              <a:avLst/>
+            </a:prstGeom>
+            <a:ln w="9525">
+              <a:solidFill>
+                <a:srgbClr val="2286D7"/>
+              </a:solidFill>
+              <a:tailEnd type="triangle"/>
+            </a:ln>
+          </p:spPr>
+          <p:style>
+            <a:lnRef idx="1">
+              <a:schemeClr val="accent1"/>
+            </a:lnRef>
+            <a:fillRef idx="0">
+              <a:schemeClr val="accent1"/>
+            </a:fillRef>
+            <a:effectRef idx="0">
+              <a:schemeClr val="accent1"/>
+            </a:effectRef>
+            <a:fontRef idx="minor">
+              <a:schemeClr val="tx1"/>
+            </a:fontRef>
+          </p:style>
+        </p:cxnSp>
+        <p:sp>
+          <p:nvSpPr>
+            <p:cNvPr id="56" name="Bogen 55">
+              <a:extLst>
+                <a:ext uri="{FF2B5EF4-FFF2-40B4-BE49-F238E27FC236}">
+                  <a16:creationId xmlns:a16="http://schemas.microsoft.com/office/drawing/2014/main" id="{C7D314B5-FB7C-4666-B69B-003577A17763}"/>
+                </a:ext>
+              </a:extLst>
+            </p:cNvPr>
+            <p:cNvSpPr/>
+            <p:nvPr/>
+          </p:nvSpPr>
+          <p:spPr>
+            <a:xfrm rot="14226271">
+              <a:off x="3860618" y="2682141"/>
+              <a:ext cx="737270" cy="679532"/>
+            </a:xfrm>
+            <a:prstGeom prst="arc">
+              <a:avLst/>
+            </a:prstGeom>
+          </p:spPr>
+          <p:style>
+            <a:lnRef idx="1">
+              <a:schemeClr val="accent1"/>
+            </a:lnRef>
+            <a:fillRef idx="0">
+              <a:schemeClr val="accent1"/>
+            </a:fillRef>
+            <a:effectRef idx="0">
+              <a:schemeClr val="accent1"/>
+            </a:effectRef>
+            <a:fontRef idx="minor">
+              <a:schemeClr val="tx1"/>
+            </a:fontRef>
+          </p:style>
+          <p:txBody>
+            <a:bodyPr rtlCol="0" anchor="ctr"/>
+            <a:lstStyle/>
+            <a:p>
+              <a:pPr algn="ctr"/>
+              <a:endParaRPr lang="en-US"/>
+            </a:p>
+          </p:txBody>
+        </p:sp>
+        <p:sp>
+          <p:nvSpPr>
+            <p:cNvPr id="58" name="Bogen 57">
+              <a:extLst>
+                <a:ext uri="{FF2B5EF4-FFF2-40B4-BE49-F238E27FC236}">
+                  <a16:creationId xmlns:a16="http://schemas.microsoft.com/office/drawing/2014/main" id="{F219FE03-E83D-4B1D-90DF-82C85A7B39C7}"/>
+                </a:ext>
+              </a:extLst>
+            </p:cNvPr>
+            <p:cNvSpPr/>
+            <p:nvPr/>
+          </p:nvSpPr>
+          <p:spPr>
+            <a:xfrm rot="11349606">
+              <a:off x="3938273" y="3075889"/>
+              <a:ext cx="936816" cy="520637"/>
+            </a:xfrm>
+            <a:prstGeom prst="arc">
+              <a:avLst/>
+            </a:prstGeom>
+          </p:spPr>
+          <p:style>
+            <a:lnRef idx="1">
+              <a:schemeClr val="accent1"/>
+            </a:lnRef>
+            <a:fillRef idx="0">
+              <a:schemeClr val="accent1"/>
+            </a:fillRef>
+            <a:effectRef idx="0">
+              <a:schemeClr val="accent1"/>
+            </a:effectRef>
+            <a:fontRef idx="minor">
+              <a:schemeClr val="tx1"/>
+            </a:fontRef>
+          </p:style>
+          <p:txBody>
+            <a:bodyPr rtlCol="0" anchor="ctr"/>
+            <a:lstStyle/>
+            <a:p>
+              <a:pPr algn="ctr"/>
+              <a:endParaRPr lang="en-US"/>
+            </a:p>
+          </p:txBody>
+        </p:sp>
+        <p:sp>
+          <p:nvSpPr>
+            <p:cNvPr id="59" name="Textfeld 58">
+              <a:extLst>
+                <a:ext uri="{FF2B5EF4-FFF2-40B4-BE49-F238E27FC236}">
+                  <a16:creationId xmlns:a16="http://schemas.microsoft.com/office/drawing/2014/main" id="{2098D132-01E0-4B43-A71E-2853B11120F5}"/>
+                </a:ext>
+              </a:extLst>
+            </p:cNvPr>
+            <p:cNvSpPr txBox="1"/>
+            <p:nvPr/>
+          </p:nvSpPr>
+          <p:spPr>
+            <a:xfrm rot="737184">
+              <a:off x="3995243" y="2630355"/>
+              <a:ext cx="1596389" cy="261610"/>
+            </a:xfrm>
+            <a:prstGeom prst="rect">
+              <a:avLst/>
+            </a:prstGeom>
+            <a:noFill/>
+          </p:spPr>
+          <p:txBody>
+            <a:bodyPr wrap="square" rtlCol="0">
+              <a:spAutoFit/>
+            </a:bodyPr>
+            <a:lstStyle/>
+            <a:p>
+              <a:r>
+                <a:rPr lang="en-US" sz="1100" dirty="0">
+                  <a:solidFill>
+                    <a:srgbClr val="1D6397"/>
+                  </a:solidFill>
+                </a:rPr>
+                <a:t>Local gaze vector</a:t>
+              </a:r>
+            </a:p>
+          </p:txBody>
+        </p:sp>
+        <p:sp>
+          <p:nvSpPr>
+            <p:cNvPr id="60" name="Textfeld 59">
+              <a:extLst>
+                <a:ext uri="{FF2B5EF4-FFF2-40B4-BE49-F238E27FC236}">
+                  <a16:creationId xmlns:a16="http://schemas.microsoft.com/office/drawing/2014/main" id="{8184C005-ECFC-4E4A-B27C-8EB219FE696F}"/>
+                </a:ext>
+              </a:extLst>
+            </p:cNvPr>
+            <p:cNvSpPr txBox="1"/>
+            <p:nvPr/>
+          </p:nvSpPr>
+          <p:spPr>
+            <a:xfrm rot="1775063">
+              <a:off x="4367200" y="1408085"/>
+              <a:ext cx="1596389" cy="261610"/>
+            </a:xfrm>
+            <a:prstGeom prst="rect">
+              <a:avLst/>
+            </a:prstGeom>
+            <a:noFill/>
+          </p:spPr>
+          <p:txBody>
+            <a:bodyPr wrap="square" rtlCol="0">
+              <a:spAutoFit/>
+            </a:bodyPr>
+            <a:lstStyle/>
+            <a:p>
+              <a:r>
+                <a:rPr lang="en-US" sz="1100" dirty="0">
+                  <a:solidFill>
+                    <a:srgbClr val="3A4148"/>
+                  </a:solidFill>
+                </a:rPr>
+                <a:t>Local coordinate system</a:t>
+              </a:r>
+            </a:p>
+          </p:txBody>
+        </p:sp>
+        <p:sp>
+          <p:nvSpPr>
+            <p:cNvPr id="66" name="Textfeld 65">
+              <a:extLst>
+                <a:ext uri="{FF2B5EF4-FFF2-40B4-BE49-F238E27FC236}">
+                  <a16:creationId xmlns:a16="http://schemas.microsoft.com/office/drawing/2014/main" id="{9827C4B9-8542-4767-930E-7FC16A098ED3}"/>
+                </a:ext>
+              </a:extLst>
+            </p:cNvPr>
+            <p:cNvSpPr txBox="1"/>
+            <p:nvPr/>
+          </p:nvSpPr>
+          <p:spPr>
+            <a:xfrm rot="737184">
+              <a:off x="3833803" y="2812876"/>
+              <a:ext cx="828130" cy="261610"/>
+            </a:xfrm>
+            <a:prstGeom prst="rect">
+              <a:avLst/>
+            </a:prstGeom>
+            <a:noFill/>
+          </p:spPr>
+          <p:txBody>
+            <a:bodyPr wrap="square" rtlCol="0">
+              <a:spAutoFit/>
+            </a:bodyPr>
+            <a:lstStyle/>
+            <a:p>
+              <a:r>
+                <a:rPr lang="en-US" sz="1100" dirty="0">
+                  <a:solidFill>
+                    <a:srgbClr val="1D6397"/>
+                  </a:solidFill>
+                </a:rPr>
+                <a:t>pitch</a:t>
+              </a:r>
+            </a:p>
+          </p:txBody>
+        </p:sp>
+        <p:sp>
+          <p:nvSpPr>
+            <p:cNvPr id="67" name="Textfeld 66">
+              <a:extLst>
+                <a:ext uri="{FF2B5EF4-FFF2-40B4-BE49-F238E27FC236}">
+                  <a16:creationId xmlns:a16="http://schemas.microsoft.com/office/drawing/2014/main" id="{4D4D1576-B5DA-4FAA-91AE-B5292E2EC855}"/>
+                </a:ext>
+              </a:extLst>
+            </p:cNvPr>
+            <p:cNvSpPr txBox="1"/>
+            <p:nvPr/>
+          </p:nvSpPr>
+          <p:spPr>
+            <a:xfrm rot="19758739">
+              <a:off x="3964065" y="3132379"/>
+              <a:ext cx="828130" cy="261610"/>
+            </a:xfrm>
+            <a:prstGeom prst="rect">
+              <a:avLst/>
+            </a:prstGeom>
+            <a:noFill/>
+          </p:spPr>
+          <p:txBody>
+            <a:bodyPr wrap="square" rtlCol="0">
+              <a:spAutoFit/>
+            </a:bodyPr>
+            <a:lstStyle/>
+            <a:p>
+              <a:r>
+                <a:rPr lang="en-US" sz="1100" dirty="0">
+                  <a:solidFill>
+                    <a:srgbClr val="1D6397"/>
+                  </a:solidFill>
+                </a:rPr>
+                <a:t>yaw</a:t>
+              </a:r>
+            </a:p>
+          </p:txBody>
+        </p:sp>
+        <p:sp>
+          <p:nvSpPr>
+            <p:cNvPr id="7" name="Rechteck 6">
+              <a:extLst>
+                <a:ext uri="{FF2B5EF4-FFF2-40B4-BE49-F238E27FC236}">
+                  <a16:creationId xmlns:a16="http://schemas.microsoft.com/office/drawing/2014/main" id="{8F59A178-8A60-4CC7-B441-84A92D3AAF08}"/>
+                </a:ext>
+              </a:extLst>
+            </p:cNvPr>
+            <p:cNvSpPr/>
+            <p:nvPr/>
+          </p:nvSpPr>
+          <p:spPr>
+            <a:xfrm>
+              <a:off x="4406681" y="4031732"/>
+              <a:ext cx="658590" cy="780105"/>
+            </a:xfrm>
+            <a:prstGeom prst="rect">
+              <a:avLst/>
+            </a:prstGeom>
             <a:solidFill>
-              <a:schemeClr val="accent2">
-                <a:lumMod val="75000"/>
+              <a:schemeClr val="bg1"/>
+            </a:solidFill>
+            <a:ln>
+              <a:noFill/>
+            </a:ln>
+          </p:spPr>
+          <p:style>
+            <a:lnRef idx="2">
+              <a:schemeClr val="accent1">
+                <a:shade val="50000"/>
               </a:schemeClr>
-            </a:solidFill>
-            <a:prstDash val="solid"/>
-            <a:tailEnd type="triangle"/>
-          </a:ln>
-        </p:spPr>
-        <p:style>
-          <a:lnRef idx="1">
-            <a:schemeClr val="accent1"/>
-          </a:lnRef>
-          <a:fillRef idx="0">
-            <a:schemeClr val="accent1"/>
-          </a:fillRef>
-          <a:effectRef idx="0">
-            <a:schemeClr val="accent1"/>
-          </a:effectRef>
-          <a:fontRef idx="minor">
-            <a:schemeClr val="tx1"/>
-          </a:fontRef>
-        </p:style>
-      </p:cxnSp>
-      <p:cxnSp>
-        <p:nvCxnSpPr>
-          <p:cNvPr id="5" name="Gerade Verbindung mit Pfeil 4">
-            <a:extLst>
-              <a:ext uri="{FF2B5EF4-FFF2-40B4-BE49-F238E27FC236}">
-                <a16:creationId xmlns:a16="http://schemas.microsoft.com/office/drawing/2014/main" id="{7BDCBBF9-7E29-4B61-8ACB-567304ECCA23}"/>
-              </a:ext>
-            </a:extLst>
-          </p:cNvPr>
-          <p:cNvCxnSpPr>
-            <a:cxnSpLocks/>
-          </p:cNvCxnSpPr>
-          <p:nvPr/>
-        </p:nvCxnSpPr>
-        <p:spPr>
-          <a:xfrm flipV="1">
-            <a:off x="5437413" y="1793759"/>
-            <a:ext cx="0" cy="1223586"/>
-          </a:xfrm>
-          <a:prstGeom prst="straightConnector1">
-            <a:avLst/>
-          </a:prstGeom>
-          <a:ln w="28575">
-            <a:solidFill>
+            </a:lnRef>
+            <a:fillRef idx="1">
+              <a:schemeClr val="accent1"/>
+            </a:fillRef>
+            <a:effectRef idx="0">
+              <a:schemeClr val="accent1"/>
+            </a:effectRef>
+            <a:fontRef idx="minor">
+              <a:schemeClr val="lt1"/>
+            </a:fontRef>
+          </p:style>
+          <p:txBody>
+            <a:bodyPr rtlCol="0" anchor="ctr"/>
+            <a:lstStyle/>
+            <a:p>
+              <a:pPr algn="ctr"/>
+              <a:endParaRPr lang="de-DE"/>
+            </a:p>
+          </p:txBody>
+        </p:sp>
+        <p:sp>
+          <p:nvSpPr>
+            <p:cNvPr id="61" name="Textfeld 60">
+              <a:extLst>
+                <a:ext uri="{FF2B5EF4-FFF2-40B4-BE49-F238E27FC236}">
+                  <a16:creationId xmlns:a16="http://schemas.microsoft.com/office/drawing/2014/main" id="{BE40F19C-8E74-4E8F-8A55-8FB103C7E900}"/>
+                </a:ext>
+              </a:extLst>
+            </p:cNvPr>
+            <p:cNvSpPr txBox="1"/>
+            <p:nvPr/>
+          </p:nvSpPr>
+          <p:spPr>
+            <a:xfrm>
+              <a:off x="3349404" y="3687493"/>
+              <a:ext cx="1959409" cy="430887"/>
+            </a:xfrm>
+            <a:prstGeom prst="rect">
+              <a:avLst/>
+            </a:prstGeom>
+            <a:noFill/>
+            <a:ln>
+              <a:noFill/>
+            </a:ln>
+          </p:spPr>
+          <p:txBody>
+            <a:bodyPr wrap="square" rtlCol="0">
+              <a:spAutoFit/>
+            </a:bodyPr>
+            <a:lstStyle/>
+            <a:p>
+              <a:pPr algn="ctr"/>
+              <a:r>
+                <a:rPr lang="en-US" sz="1100" dirty="0">
+                  <a:solidFill>
+                    <a:srgbClr val="3A4148"/>
+                  </a:solidFill>
+                </a:rPr>
+                <a:t>z-axis of local system z = (0,0,1) or global forward vector</a:t>
+              </a:r>
+            </a:p>
+          </p:txBody>
+        </p:sp>
+        <p:sp>
+          <p:nvSpPr>
+            <p:cNvPr id="9" name="Rechteck 8">
+              <a:extLst>
+                <a:ext uri="{FF2B5EF4-FFF2-40B4-BE49-F238E27FC236}">
+                  <a16:creationId xmlns:a16="http://schemas.microsoft.com/office/drawing/2014/main" id="{0DAF0129-E4F0-4CF9-92A3-4AB785309A29}"/>
+                </a:ext>
+              </a:extLst>
+            </p:cNvPr>
+            <p:cNvSpPr/>
+            <p:nvPr/>
+          </p:nvSpPr>
+          <p:spPr>
+            <a:xfrm>
+              <a:off x="3349404" y="922020"/>
+              <a:ext cx="2906616" cy="3517910"/>
+            </a:xfrm>
+            <a:prstGeom prst="rect">
+              <a:avLst/>
+            </a:prstGeom>
+            <a:noFill/>
+            <a:ln>
+              <a:solidFill>
+                <a:srgbClr val="D5D6D7"/>
+              </a:solidFill>
+            </a:ln>
+          </p:spPr>
+          <p:style>
+            <a:lnRef idx="2">
               <a:schemeClr val="accent1">
-                <a:lumMod val="60000"/>
-                <a:lumOff val="40000"/>
+                <a:shade val="50000"/>
               </a:schemeClr>
-            </a:solidFill>
-            <a:prstDash val="lgDash"/>
-            <a:tailEnd type="triangle"/>
-          </a:ln>
-        </p:spPr>
-        <p:style>
-          <a:lnRef idx="1">
-            <a:schemeClr val="accent1"/>
-          </a:lnRef>
-          <a:fillRef idx="0">
-            <a:schemeClr val="accent1"/>
-          </a:fillRef>
-          <a:effectRef idx="0">
-            <a:schemeClr val="accent1"/>
-          </a:effectRef>
-          <a:fontRef idx="minor">
-            <a:schemeClr val="tx1"/>
-          </a:fontRef>
-        </p:style>
-      </p:cxnSp>
-      <p:cxnSp>
-        <p:nvCxnSpPr>
-          <p:cNvPr id="8" name="Gerade Verbindung mit Pfeil 7">
-            <a:extLst>
-              <a:ext uri="{FF2B5EF4-FFF2-40B4-BE49-F238E27FC236}">
-                <a16:creationId xmlns:a16="http://schemas.microsoft.com/office/drawing/2014/main" id="{03019A79-8004-4CCF-ABBA-0B6ED9071065}"/>
-              </a:ext>
-            </a:extLst>
-          </p:cNvPr>
-          <p:cNvCxnSpPr>
-            <a:cxnSpLocks/>
-          </p:cNvCxnSpPr>
-          <p:nvPr/>
-        </p:nvCxnSpPr>
-        <p:spPr>
-          <a:xfrm flipH="1" flipV="1">
-            <a:off x="4300325" y="2352924"/>
-            <a:ext cx="1137088" cy="664421"/>
-          </a:xfrm>
-          <a:prstGeom prst="straightConnector1">
-            <a:avLst/>
-          </a:prstGeom>
-          <a:ln w="28575">
-            <a:solidFill>
-              <a:schemeClr val="accent1">
-                <a:lumMod val="60000"/>
-                <a:lumOff val="40000"/>
-              </a:schemeClr>
-            </a:solidFill>
-            <a:prstDash val="lgDash"/>
-            <a:tailEnd type="triangle"/>
-          </a:ln>
-        </p:spPr>
-        <p:style>
-          <a:lnRef idx="1">
-            <a:schemeClr val="accent1"/>
-          </a:lnRef>
-          <a:fillRef idx="0">
-            <a:schemeClr val="accent1"/>
-          </a:fillRef>
-          <a:effectRef idx="0">
-            <a:schemeClr val="accent1"/>
-          </a:effectRef>
-          <a:fontRef idx="minor">
-            <a:schemeClr val="tx1"/>
-          </a:fontRef>
-        </p:style>
-      </p:cxnSp>
-      <p:cxnSp>
-        <p:nvCxnSpPr>
-          <p:cNvPr id="13" name="Gerader Verbinder 12">
-            <a:extLst>
-              <a:ext uri="{FF2B5EF4-FFF2-40B4-BE49-F238E27FC236}">
-                <a16:creationId xmlns:a16="http://schemas.microsoft.com/office/drawing/2014/main" id="{B2D9191A-0826-4A76-86D4-95A35D5EF9D3}"/>
-              </a:ext>
-            </a:extLst>
-          </p:cNvPr>
-          <p:cNvCxnSpPr/>
-          <p:nvPr/>
-        </p:nvCxnSpPr>
-        <p:spPr>
-          <a:xfrm flipV="1">
-            <a:off x="5260848" y="1793759"/>
-            <a:ext cx="0" cy="1132321"/>
-          </a:xfrm>
-          <a:prstGeom prst="line">
-            <a:avLst/>
-          </a:prstGeom>
-          <a:ln>
-            <a:solidFill>
-              <a:schemeClr val="bg1">
-                <a:lumMod val="65000"/>
-              </a:schemeClr>
-            </a:solidFill>
-            <a:prstDash val="sysDash"/>
-          </a:ln>
-        </p:spPr>
-        <p:style>
-          <a:lnRef idx="1">
-            <a:schemeClr val="accent1"/>
-          </a:lnRef>
-          <a:fillRef idx="0">
-            <a:schemeClr val="accent1"/>
-          </a:fillRef>
-          <a:effectRef idx="0">
-            <a:schemeClr val="accent1"/>
-          </a:effectRef>
-          <a:fontRef idx="minor">
-            <a:schemeClr val="tx1"/>
-          </a:fontRef>
-        </p:style>
-      </p:cxnSp>
-      <p:cxnSp>
-        <p:nvCxnSpPr>
-          <p:cNvPr id="14" name="Gerader Verbinder 13">
-            <a:extLst>
-              <a:ext uri="{FF2B5EF4-FFF2-40B4-BE49-F238E27FC236}">
-                <a16:creationId xmlns:a16="http://schemas.microsoft.com/office/drawing/2014/main" id="{17A35A84-A9D1-4F34-879C-56BE6854B5F0}"/>
-              </a:ext>
-            </a:extLst>
-          </p:cNvPr>
-          <p:cNvCxnSpPr/>
-          <p:nvPr/>
-        </p:nvCxnSpPr>
-        <p:spPr>
-          <a:xfrm flipV="1">
-            <a:off x="5070348" y="1675649"/>
-            <a:ext cx="0" cy="1132321"/>
-          </a:xfrm>
-          <a:prstGeom prst="line">
-            <a:avLst/>
-          </a:prstGeom>
-          <a:ln>
-            <a:solidFill>
-              <a:schemeClr val="bg1">
-                <a:lumMod val="65000"/>
-              </a:schemeClr>
-            </a:solidFill>
-            <a:prstDash val="sysDash"/>
-          </a:ln>
-        </p:spPr>
-        <p:style>
-          <a:lnRef idx="1">
-            <a:schemeClr val="accent1"/>
-          </a:lnRef>
-          <a:fillRef idx="0">
-            <a:schemeClr val="accent1"/>
-          </a:fillRef>
-          <a:effectRef idx="0">
-            <a:schemeClr val="accent1"/>
-          </a:effectRef>
-          <a:fontRef idx="minor">
-            <a:schemeClr val="tx1"/>
-          </a:fontRef>
-        </p:style>
-      </p:cxnSp>
-      <p:cxnSp>
-        <p:nvCxnSpPr>
-          <p:cNvPr id="15" name="Gerader Verbinder 14">
-            <a:extLst>
-              <a:ext uri="{FF2B5EF4-FFF2-40B4-BE49-F238E27FC236}">
-                <a16:creationId xmlns:a16="http://schemas.microsoft.com/office/drawing/2014/main" id="{3568434F-76AA-483D-847E-A949940C89B9}"/>
-              </a:ext>
-            </a:extLst>
-          </p:cNvPr>
-          <p:cNvCxnSpPr/>
-          <p:nvPr/>
-        </p:nvCxnSpPr>
-        <p:spPr>
-          <a:xfrm flipV="1">
-            <a:off x="4898898" y="1580399"/>
-            <a:ext cx="0" cy="1132321"/>
-          </a:xfrm>
-          <a:prstGeom prst="line">
-            <a:avLst/>
-          </a:prstGeom>
-          <a:ln>
-            <a:solidFill>
-              <a:schemeClr val="bg1">
-                <a:lumMod val="65000"/>
-              </a:schemeClr>
-            </a:solidFill>
-            <a:prstDash val="sysDash"/>
-          </a:ln>
-        </p:spPr>
-        <p:style>
-          <a:lnRef idx="1">
-            <a:schemeClr val="accent1"/>
-          </a:lnRef>
-          <a:fillRef idx="0">
-            <a:schemeClr val="accent1"/>
-          </a:fillRef>
-          <a:effectRef idx="0">
-            <a:schemeClr val="accent1"/>
-          </a:effectRef>
-          <a:fontRef idx="minor">
-            <a:schemeClr val="tx1"/>
-          </a:fontRef>
-        </p:style>
-      </p:cxnSp>
-      <p:cxnSp>
-        <p:nvCxnSpPr>
-          <p:cNvPr id="16" name="Gerader Verbinder 15">
-            <a:extLst>
-              <a:ext uri="{FF2B5EF4-FFF2-40B4-BE49-F238E27FC236}">
-                <a16:creationId xmlns:a16="http://schemas.microsoft.com/office/drawing/2014/main" id="{5E6465EB-137D-40E3-B1AB-56ECED43A220}"/>
-              </a:ext>
-            </a:extLst>
-          </p:cNvPr>
-          <p:cNvCxnSpPr/>
-          <p:nvPr/>
-        </p:nvCxnSpPr>
-        <p:spPr>
-          <a:xfrm flipV="1">
-            <a:off x="4719828" y="1469909"/>
-            <a:ext cx="0" cy="1132321"/>
-          </a:xfrm>
-          <a:prstGeom prst="line">
-            <a:avLst/>
-          </a:prstGeom>
-          <a:ln>
-            <a:solidFill>
-              <a:schemeClr val="bg1">
-                <a:lumMod val="65000"/>
-              </a:schemeClr>
-            </a:solidFill>
-            <a:prstDash val="sysDash"/>
-          </a:ln>
-        </p:spPr>
-        <p:style>
-          <a:lnRef idx="1">
-            <a:schemeClr val="accent1"/>
-          </a:lnRef>
-          <a:fillRef idx="0">
-            <a:schemeClr val="accent1"/>
-          </a:fillRef>
-          <a:effectRef idx="0">
-            <a:schemeClr val="accent1"/>
-          </a:effectRef>
-          <a:fontRef idx="minor">
-            <a:schemeClr val="tx1"/>
-          </a:fontRef>
-        </p:style>
-      </p:cxnSp>
-      <p:cxnSp>
-        <p:nvCxnSpPr>
-          <p:cNvPr id="17" name="Gerader Verbinder 16">
-            <a:extLst>
-              <a:ext uri="{FF2B5EF4-FFF2-40B4-BE49-F238E27FC236}">
-                <a16:creationId xmlns:a16="http://schemas.microsoft.com/office/drawing/2014/main" id="{D4ED77FC-3511-4C17-9C2E-A64D14733A84}"/>
-              </a:ext>
-            </a:extLst>
-          </p:cNvPr>
-          <p:cNvCxnSpPr/>
-          <p:nvPr/>
-        </p:nvCxnSpPr>
-        <p:spPr>
-          <a:xfrm flipV="1">
-            <a:off x="4548378" y="1358668"/>
-            <a:ext cx="0" cy="1132321"/>
-          </a:xfrm>
-          <a:prstGeom prst="line">
-            <a:avLst/>
-          </a:prstGeom>
-          <a:ln>
-            <a:solidFill>
-              <a:schemeClr val="bg1">
-                <a:lumMod val="65000"/>
-              </a:schemeClr>
-            </a:solidFill>
-            <a:prstDash val="sysDash"/>
-          </a:ln>
-        </p:spPr>
-        <p:style>
-          <a:lnRef idx="1">
-            <a:schemeClr val="accent1"/>
-          </a:lnRef>
-          <a:fillRef idx="0">
-            <a:schemeClr val="accent1"/>
-          </a:fillRef>
-          <a:effectRef idx="0">
-            <a:schemeClr val="accent1"/>
-          </a:effectRef>
-          <a:fontRef idx="minor">
-            <a:schemeClr val="tx1"/>
-          </a:fontRef>
-        </p:style>
-      </p:cxnSp>
-      <p:cxnSp>
-        <p:nvCxnSpPr>
-          <p:cNvPr id="18" name="Gerader Verbinder 17">
-            <a:extLst>
-              <a:ext uri="{FF2B5EF4-FFF2-40B4-BE49-F238E27FC236}">
-                <a16:creationId xmlns:a16="http://schemas.microsoft.com/office/drawing/2014/main" id="{FC54D4AC-8456-4057-B794-76E5CF5E12FC}"/>
-              </a:ext>
-            </a:extLst>
-          </p:cNvPr>
-          <p:cNvCxnSpPr>
-            <a:cxnSpLocks/>
-          </p:cNvCxnSpPr>
-          <p:nvPr/>
-        </p:nvCxnSpPr>
-        <p:spPr>
-          <a:xfrm flipH="1" flipV="1">
-            <a:off x="4457700" y="2205991"/>
-            <a:ext cx="979712" cy="552449"/>
-          </a:xfrm>
-          <a:prstGeom prst="line">
-            <a:avLst/>
-          </a:prstGeom>
-          <a:ln>
-            <a:solidFill>
-              <a:schemeClr val="bg1">
-                <a:lumMod val="65000"/>
-              </a:schemeClr>
-            </a:solidFill>
-            <a:prstDash val="sysDash"/>
-          </a:ln>
-        </p:spPr>
-        <p:style>
-          <a:lnRef idx="1">
-            <a:schemeClr val="accent1"/>
-          </a:lnRef>
-          <a:fillRef idx="0">
-            <a:schemeClr val="accent1"/>
-          </a:fillRef>
-          <a:effectRef idx="0">
-            <a:schemeClr val="accent1"/>
-          </a:effectRef>
-          <a:fontRef idx="minor">
-            <a:schemeClr val="tx1"/>
-          </a:fontRef>
-        </p:style>
-      </p:cxnSp>
-      <p:cxnSp>
-        <p:nvCxnSpPr>
-          <p:cNvPr id="22" name="Gerader Verbinder 21">
-            <a:extLst>
-              <a:ext uri="{FF2B5EF4-FFF2-40B4-BE49-F238E27FC236}">
-                <a16:creationId xmlns:a16="http://schemas.microsoft.com/office/drawing/2014/main" id="{32DC8F5F-BC72-4A43-8C9C-990F0C7A40F9}"/>
-              </a:ext>
-            </a:extLst>
-          </p:cNvPr>
-          <p:cNvCxnSpPr>
-            <a:cxnSpLocks/>
-          </p:cNvCxnSpPr>
-          <p:nvPr/>
-        </p:nvCxnSpPr>
-        <p:spPr>
-          <a:xfrm flipH="1" flipV="1">
-            <a:off x="4457700" y="1975399"/>
-            <a:ext cx="979712" cy="552449"/>
-          </a:xfrm>
-          <a:prstGeom prst="line">
-            <a:avLst/>
-          </a:prstGeom>
-          <a:ln>
-            <a:solidFill>
-              <a:schemeClr val="bg1">
-                <a:lumMod val="65000"/>
-              </a:schemeClr>
-            </a:solidFill>
-            <a:prstDash val="sysDash"/>
-          </a:ln>
-        </p:spPr>
-        <p:style>
-          <a:lnRef idx="1">
-            <a:schemeClr val="accent1"/>
-          </a:lnRef>
-          <a:fillRef idx="0">
-            <a:schemeClr val="accent1"/>
-          </a:fillRef>
-          <a:effectRef idx="0">
-            <a:schemeClr val="accent1"/>
-          </a:effectRef>
-          <a:fontRef idx="minor">
-            <a:schemeClr val="tx1"/>
-          </a:fontRef>
-        </p:style>
-      </p:cxnSp>
-      <p:cxnSp>
-        <p:nvCxnSpPr>
-          <p:cNvPr id="23" name="Gerader Verbinder 22">
-            <a:extLst>
-              <a:ext uri="{FF2B5EF4-FFF2-40B4-BE49-F238E27FC236}">
-                <a16:creationId xmlns:a16="http://schemas.microsoft.com/office/drawing/2014/main" id="{38615FED-F81A-4F08-BE29-8C7DE09601FD}"/>
-              </a:ext>
-            </a:extLst>
-          </p:cNvPr>
-          <p:cNvCxnSpPr>
-            <a:cxnSpLocks/>
-          </p:cNvCxnSpPr>
-          <p:nvPr/>
-        </p:nvCxnSpPr>
-        <p:spPr>
-          <a:xfrm flipH="1" flipV="1">
-            <a:off x="4457700" y="1755996"/>
-            <a:ext cx="979712" cy="552449"/>
-          </a:xfrm>
-          <a:prstGeom prst="line">
-            <a:avLst/>
-          </a:prstGeom>
-          <a:ln>
-            <a:solidFill>
-              <a:schemeClr val="bg1">
-                <a:lumMod val="65000"/>
-              </a:schemeClr>
-            </a:solidFill>
-            <a:prstDash val="sysDash"/>
-          </a:ln>
-        </p:spPr>
-        <p:style>
-          <a:lnRef idx="1">
-            <a:schemeClr val="accent1"/>
-          </a:lnRef>
-          <a:fillRef idx="0">
-            <a:schemeClr val="accent1"/>
-          </a:fillRef>
-          <a:effectRef idx="0">
-            <a:schemeClr val="accent1"/>
-          </a:effectRef>
-          <a:fontRef idx="minor">
-            <a:schemeClr val="tx1"/>
-          </a:fontRef>
-        </p:style>
-      </p:cxnSp>
-      <p:cxnSp>
-        <p:nvCxnSpPr>
-          <p:cNvPr id="24" name="Gerader Verbinder 23">
-            <a:extLst>
-              <a:ext uri="{FF2B5EF4-FFF2-40B4-BE49-F238E27FC236}">
-                <a16:creationId xmlns:a16="http://schemas.microsoft.com/office/drawing/2014/main" id="{821D9B6C-995D-4094-98D3-E813C6B41D43}"/>
-              </a:ext>
-            </a:extLst>
-          </p:cNvPr>
-          <p:cNvCxnSpPr>
-            <a:cxnSpLocks/>
-          </p:cNvCxnSpPr>
-          <p:nvPr/>
-        </p:nvCxnSpPr>
-        <p:spPr>
-          <a:xfrm flipH="1" flipV="1">
-            <a:off x="4457700" y="1552337"/>
-            <a:ext cx="979712" cy="552449"/>
-          </a:xfrm>
-          <a:prstGeom prst="line">
-            <a:avLst/>
-          </a:prstGeom>
-          <a:ln>
-            <a:solidFill>
-              <a:schemeClr val="bg1">
-                <a:lumMod val="65000"/>
-              </a:schemeClr>
-            </a:solidFill>
-            <a:prstDash val="sysDash"/>
-          </a:ln>
-        </p:spPr>
-        <p:style>
-          <a:lnRef idx="1">
-            <a:schemeClr val="accent1"/>
-          </a:lnRef>
-          <a:fillRef idx="0">
-            <a:schemeClr val="accent1"/>
-          </a:fillRef>
-          <a:effectRef idx="0">
-            <a:schemeClr val="accent1"/>
-          </a:effectRef>
-          <a:fontRef idx="minor">
-            <a:schemeClr val="tx1"/>
-          </a:fontRef>
-        </p:style>
-      </p:cxnSp>
-      <p:cxnSp>
-        <p:nvCxnSpPr>
-          <p:cNvPr id="30" name="Gerader Verbinder 29">
-            <a:extLst>
-              <a:ext uri="{FF2B5EF4-FFF2-40B4-BE49-F238E27FC236}">
-                <a16:creationId xmlns:a16="http://schemas.microsoft.com/office/drawing/2014/main" id="{655AC789-C857-45CA-B39A-62B1D999F241}"/>
-              </a:ext>
-            </a:extLst>
-          </p:cNvPr>
-          <p:cNvCxnSpPr>
-            <a:cxnSpLocks/>
-          </p:cNvCxnSpPr>
-          <p:nvPr/>
-        </p:nvCxnSpPr>
-        <p:spPr>
-          <a:xfrm flipV="1">
-            <a:off x="4114800" y="2915258"/>
-            <a:ext cx="1135894" cy="642415"/>
-          </a:xfrm>
-          <a:prstGeom prst="line">
-            <a:avLst/>
-          </a:prstGeom>
-          <a:ln>
-            <a:solidFill>
-              <a:schemeClr val="bg1">
-                <a:lumMod val="65000"/>
-              </a:schemeClr>
-            </a:solidFill>
-            <a:prstDash val="sysDash"/>
-          </a:ln>
-        </p:spPr>
-        <p:style>
-          <a:lnRef idx="1">
-            <a:schemeClr val="accent1"/>
-          </a:lnRef>
-          <a:fillRef idx="0">
-            <a:schemeClr val="accent1"/>
-          </a:fillRef>
-          <a:effectRef idx="0">
-            <a:schemeClr val="accent1"/>
-          </a:effectRef>
-          <a:fontRef idx="minor">
-            <a:schemeClr val="tx1"/>
-          </a:fontRef>
-        </p:style>
-      </p:cxnSp>
-      <p:cxnSp>
-        <p:nvCxnSpPr>
-          <p:cNvPr id="34" name="Gerader Verbinder 33">
-            <a:extLst>
-              <a:ext uri="{FF2B5EF4-FFF2-40B4-BE49-F238E27FC236}">
-                <a16:creationId xmlns:a16="http://schemas.microsoft.com/office/drawing/2014/main" id="{60EA52AA-B0A1-4823-8830-E2580C00E179}"/>
-              </a:ext>
-            </a:extLst>
-          </p:cNvPr>
-          <p:cNvCxnSpPr>
-            <a:cxnSpLocks/>
-          </p:cNvCxnSpPr>
-          <p:nvPr/>
-        </p:nvCxnSpPr>
-        <p:spPr>
-          <a:xfrm flipV="1">
-            <a:off x="3938236" y="2805156"/>
-            <a:ext cx="1127035" cy="623844"/>
-          </a:xfrm>
-          <a:prstGeom prst="line">
-            <a:avLst/>
-          </a:prstGeom>
-          <a:ln>
-            <a:solidFill>
-              <a:schemeClr val="bg1">
-                <a:lumMod val="65000"/>
-              </a:schemeClr>
-            </a:solidFill>
-            <a:prstDash val="sysDash"/>
-          </a:ln>
-        </p:spPr>
-        <p:style>
-          <a:lnRef idx="1">
-            <a:schemeClr val="accent1"/>
-          </a:lnRef>
-          <a:fillRef idx="0">
-            <a:schemeClr val="accent1"/>
-          </a:fillRef>
-          <a:effectRef idx="0">
-            <a:schemeClr val="accent1"/>
-          </a:effectRef>
-          <a:fontRef idx="minor">
-            <a:schemeClr val="tx1"/>
-          </a:fontRef>
-        </p:style>
-      </p:cxnSp>
-      <p:cxnSp>
-        <p:nvCxnSpPr>
-          <p:cNvPr id="35" name="Gerader Verbinder 34">
-            <a:extLst>
-              <a:ext uri="{FF2B5EF4-FFF2-40B4-BE49-F238E27FC236}">
-                <a16:creationId xmlns:a16="http://schemas.microsoft.com/office/drawing/2014/main" id="{B963468D-6299-49B2-A1A9-7D7EFBCE4DDC}"/>
-              </a:ext>
-            </a:extLst>
-          </p:cNvPr>
-          <p:cNvCxnSpPr>
-            <a:cxnSpLocks/>
-          </p:cNvCxnSpPr>
-          <p:nvPr/>
-        </p:nvCxnSpPr>
-        <p:spPr>
-          <a:xfrm flipV="1">
-            <a:off x="3759322" y="2703436"/>
-            <a:ext cx="1139575" cy="609992"/>
-          </a:xfrm>
-          <a:prstGeom prst="line">
-            <a:avLst/>
-          </a:prstGeom>
-          <a:ln>
-            <a:solidFill>
-              <a:schemeClr val="bg1">
-                <a:lumMod val="65000"/>
-              </a:schemeClr>
-            </a:solidFill>
-            <a:prstDash val="sysDash"/>
-          </a:ln>
-        </p:spPr>
-        <p:style>
-          <a:lnRef idx="1">
-            <a:schemeClr val="accent1"/>
-          </a:lnRef>
-          <a:fillRef idx="0">
-            <a:schemeClr val="accent1"/>
-          </a:fillRef>
-          <a:effectRef idx="0">
-            <a:schemeClr val="accent1"/>
-          </a:effectRef>
-          <a:fontRef idx="minor">
-            <a:schemeClr val="tx1"/>
-          </a:fontRef>
-        </p:style>
-      </p:cxnSp>
-      <p:cxnSp>
-        <p:nvCxnSpPr>
-          <p:cNvPr id="39" name="Gerader Verbinder 38">
-            <a:extLst>
-              <a:ext uri="{FF2B5EF4-FFF2-40B4-BE49-F238E27FC236}">
-                <a16:creationId xmlns:a16="http://schemas.microsoft.com/office/drawing/2014/main" id="{B9AAE581-F781-4D5D-BDC6-55A61BFFB68E}"/>
-              </a:ext>
-            </a:extLst>
-          </p:cNvPr>
-          <p:cNvCxnSpPr>
-            <a:cxnSpLocks/>
-          </p:cNvCxnSpPr>
-          <p:nvPr/>
-        </p:nvCxnSpPr>
-        <p:spPr>
-          <a:xfrm flipV="1">
-            <a:off x="3587162" y="2589485"/>
-            <a:ext cx="1139575" cy="609992"/>
-          </a:xfrm>
-          <a:prstGeom prst="line">
-            <a:avLst/>
-          </a:prstGeom>
-          <a:ln>
-            <a:solidFill>
-              <a:schemeClr val="bg1">
-                <a:lumMod val="65000"/>
-              </a:schemeClr>
-            </a:solidFill>
-            <a:prstDash val="sysDash"/>
-          </a:ln>
-        </p:spPr>
-        <p:style>
-          <a:lnRef idx="1">
-            <a:schemeClr val="accent1"/>
-          </a:lnRef>
-          <a:fillRef idx="0">
-            <a:schemeClr val="accent1"/>
-          </a:fillRef>
-          <a:effectRef idx="0">
-            <a:schemeClr val="accent1"/>
-          </a:effectRef>
-          <a:fontRef idx="minor">
-            <a:schemeClr val="tx1"/>
-          </a:fontRef>
-        </p:style>
-      </p:cxnSp>
-      <p:cxnSp>
-        <p:nvCxnSpPr>
-          <p:cNvPr id="40" name="Gerader Verbinder 39">
-            <a:extLst>
-              <a:ext uri="{FF2B5EF4-FFF2-40B4-BE49-F238E27FC236}">
-                <a16:creationId xmlns:a16="http://schemas.microsoft.com/office/drawing/2014/main" id="{55E83AC1-B86C-4C80-953B-DE2F796879F0}"/>
-              </a:ext>
-            </a:extLst>
-          </p:cNvPr>
-          <p:cNvCxnSpPr>
-            <a:cxnSpLocks/>
-          </p:cNvCxnSpPr>
-          <p:nvPr/>
-        </p:nvCxnSpPr>
-        <p:spPr>
-          <a:xfrm flipV="1">
-            <a:off x="3409423" y="2498618"/>
-            <a:ext cx="1139575" cy="609992"/>
-          </a:xfrm>
-          <a:prstGeom prst="line">
-            <a:avLst/>
-          </a:prstGeom>
-          <a:ln>
-            <a:solidFill>
-              <a:schemeClr val="bg1">
-                <a:lumMod val="65000"/>
-              </a:schemeClr>
-            </a:solidFill>
-            <a:prstDash val="sysDash"/>
-          </a:ln>
-        </p:spPr>
-        <p:style>
-          <a:lnRef idx="1">
-            <a:schemeClr val="accent1"/>
-          </a:lnRef>
-          <a:fillRef idx="0">
-            <a:schemeClr val="accent1"/>
-          </a:fillRef>
-          <a:effectRef idx="0">
-            <a:schemeClr val="accent1"/>
-          </a:effectRef>
-          <a:fontRef idx="minor">
-            <a:schemeClr val="tx1"/>
-          </a:fontRef>
-        </p:style>
-      </p:cxnSp>
-      <p:cxnSp>
-        <p:nvCxnSpPr>
-          <p:cNvPr id="41" name="Gerader Verbinder 40">
-            <a:extLst>
-              <a:ext uri="{FF2B5EF4-FFF2-40B4-BE49-F238E27FC236}">
-                <a16:creationId xmlns:a16="http://schemas.microsoft.com/office/drawing/2014/main" id="{FE4839EC-8491-484A-B403-FF959D62EFFA}"/>
-              </a:ext>
-            </a:extLst>
-          </p:cNvPr>
-          <p:cNvCxnSpPr>
-            <a:cxnSpLocks/>
-          </p:cNvCxnSpPr>
-          <p:nvPr/>
-        </p:nvCxnSpPr>
-        <p:spPr>
-          <a:xfrm>
-            <a:off x="4239420" y="2545721"/>
-            <a:ext cx="983226" cy="585575"/>
-          </a:xfrm>
-          <a:prstGeom prst="line">
-            <a:avLst/>
-          </a:prstGeom>
-          <a:ln>
-            <a:solidFill>
-              <a:schemeClr val="bg1">
-                <a:lumMod val="65000"/>
-              </a:schemeClr>
-            </a:solidFill>
-            <a:prstDash val="sysDash"/>
-          </a:ln>
-        </p:spPr>
-        <p:style>
-          <a:lnRef idx="1">
-            <a:schemeClr val="accent1"/>
-          </a:lnRef>
-          <a:fillRef idx="0">
-            <a:schemeClr val="accent1"/>
-          </a:fillRef>
-          <a:effectRef idx="0">
-            <a:schemeClr val="accent1"/>
-          </a:effectRef>
-          <a:fontRef idx="minor">
-            <a:schemeClr val="tx1"/>
-          </a:fontRef>
-        </p:style>
-      </p:cxnSp>
-      <p:cxnSp>
-        <p:nvCxnSpPr>
-          <p:cNvPr id="45" name="Gerader Verbinder 44">
-            <a:extLst>
-              <a:ext uri="{FF2B5EF4-FFF2-40B4-BE49-F238E27FC236}">
-                <a16:creationId xmlns:a16="http://schemas.microsoft.com/office/drawing/2014/main" id="{02E86816-5801-40A8-A2D9-8C3B60D2DA3D}"/>
-              </a:ext>
-            </a:extLst>
-          </p:cNvPr>
-          <p:cNvCxnSpPr>
-            <a:cxnSpLocks/>
-          </p:cNvCxnSpPr>
-          <p:nvPr/>
-        </p:nvCxnSpPr>
-        <p:spPr>
-          <a:xfrm>
-            <a:off x="4044973" y="2653971"/>
-            <a:ext cx="983226" cy="585575"/>
-          </a:xfrm>
-          <a:prstGeom prst="line">
-            <a:avLst/>
-          </a:prstGeom>
-          <a:ln>
-            <a:solidFill>
-              <a:schemeClr val="bg1">
-                <a:lumMod val="65000"/>
-              </a:schemeClr>
-            </a:solidFill>
-            <a:prstDash val="sysDash"/>
-          </a:ln>
-        </p:spPr>
-        <p:style>
-          <a:lnRef idx="1">
-            <a:schemeClr val="accent1"/>
-          </a:lnRef>
-          <a:fillRef idx="0">
-            <a:schemeClr val="accent1"/>
-          </a:fillRef>
-          <a:effectRef idx="0">
-            <a:schemeClr val="accent1"/>
-          </a:effectRef>
-          <a:fontRef idx="minor">
-            <a:schemeClr val="tx1"/>
-          </a:fontRef>
-        </p:style>
-      </p:cxnSp>
-      <p:cxnSp>
-        <p:nvCxnSpPr>
-          <p:cNvPr id="46" name="Gerader Verbinder 45">
-            <a:extLst>
-              <a:ext uri="{FF2B5EF4-FFF2-40B4-BE49-F238E27FC236}">
-                <a16:creationId xmlns:a16="http://schemas.microsoft.com/office/drawing/2014/main" id="{C4224CAA-B38F-4EA8-ABFC-FA33D9AA5D12}"/>
-              </a:ext>
-            </a:extLst>
-          </p:cNvPr>
-          <p:cNvCxnSpPr>
-            <a:cxnSpLocks/>
-          </p:cNvCxnSpPr>
-          <p:nvPr/>
-        </p:nvCxnSpPr>
-        <p:spPr>
-          <a:xfrm>
-            <a:off x="3864137" y="2766670"/>
-            <a:ext cx="983226" cy="585575"/>
-          </a:xfrm>
-          <a:prstGeom prst="line">
-            <a:avLst/>
-          </a:prstGeom>
-          <a:ln>
-            <a:solidFill>
-              <a:schemeClr val="bg1">
-                <a:lumMod val="65000"/>
-              </a:schemeClr>
-            </a:solidFill>
-            <a:prstDash val="sysDash"/>
-          </a:ln>
-        </p:spPr>
-        <p:style>
-          <a:lnRef idx="1">
-            <a:schemeClr val="accent1"/>
-          </a:lnRef>
-          <a:fillRef idx="0">
-            <a:schemeClr val="accent1"/>
-          </a:fillRef>
-          <a:effectRef idx="0">
-            <a:schemeClr val="accent1"/>
-          </a:effectRef>
-          <a:fontRef idx="minor">
-            <a:schemeClr val="tx1"/>
-          </a:fontRef>
-        </p:style>
-      </p:cxnSp>
-      <p:cxnSp>
-        <p:nvCxnSpPr>
-          <p:cNvPr id="47" name="Gerader Verbinder 46">
-            <a:extLst>
-              <a:ext uri="{FF2B5EF4-FFF2-40B4-BE49-F238E27FC236}">
-                <a16:creationId xmlns:a16="http://schemas.microsoft.com/office/drawing/2014/main" id="{50D18670-5BA9-4499-AC6B-46B58B6D1573}"/>
-              </a:ext>
-            </a:extLst>
-          </p:cNvPr>
-          <p:cNvCxnSpPr>
-            <a:cxnSpLocks/>
-          </p:cNvCxnSpPr>
-          <p:nvPr/>
-        </p:nvCxnSpPr>
-        <p:spPr>
-          <a:xfrm>
-            <a:off x="3678714" y="2896211"/>
-            <a:ext cx="983226" cy="585575"/>
-          </a:xfrm>
-          <a:prstGeom prst="line">
-            <a:avLst/>
-          </a:prstGeom>
-          <a:ln>
-            <a:solidFill>
-              <a:schemeClr val="bg1">
-                <a:lumMod val="65000"/>
-              </a:schemeClr>
-            </a:solidFill>
-            <a:prstDash val="sysDash"/>
-          </a:ln>
-        </p:spPr>
-        <p:style>
-          <a:lnRef idx="1">
-            <a:schemeClr val="accent1"/>
-          </a:lnRef>
-          <a:fillRef idx="0">
-            <a:schemeClr val="accent1"/>
-          </a:fillRef>
-          <a:effectRef idx="0">
-            <a:schemeClr val="accent1"/>
-          </a:effectRef>
-          <a:fontRef idx="minor">
-            <a:schemeClr val="tx1"/>
-          </a:fontRef>
-        </p:style>
-      </p:cxnSp>
-      <p:cxnSp>
-        <p:nvCxnSpPr>
-          <p:cNvPr id="48" name="Gerader Verbinder 47">
-            <a:extLst>
-              <a:ext uri="{FF2B5EF4-FFF2-40B4-BE49-F238E27FC236}">
-                <a16:creationId xmlns:a16="http://schemas.microsoft.com/office/drawing/2014/main" id="{5613CFBE-91C6-40A5-B615-69986F52A2F6}"/>
-              </a:ext>
-            </a:extLst>
-          </p:cNvPr>
-          <p:cNvCxnSpPr>
-            <a:cxnSpLocks/>
-          </p:cNvCxnSpPr>
-          <p:nvPr/>
-        </p:nvCxnSpPr>
-        <p:spPr>
-          <a:xfrm>
-            <a:off x="3465078" y="3008597"/>
-            <a:ext cx="983226" cy="585575"/>
-          </a:xfrm>
-          <a:prstGeom prst="line">
-            <a:avLst/>
-          </a:prstGeom>
-          <a:ln>
-            <a:solidFill>
-              <a:schemeClr val="bg1">
-                <a:lumMod val="65000"/>
-              </a:schemeClr>
-            </a:solidFill>
-            <a:prstDash val="sysDash"/>
-          </a:ln>
-        </p:spPr>
-        <p:style>
-          <a:lnRef idx="1">
-            <a:schemeClr val="accent1"/>
-          </a:lnRef>
-          <a:fillRef idx="0">
-            <a:schemeClr val="accent1"/>
-          </a:fillRef>
-          <a:effectRef idx="0">
-            <a:schemeClr val="accent1"/>
-          </a:effectRef>
-          <a:fontRef idx="minor">
-            <a:schemeClr val="tx1"/>
-          </a:fontRef>
-        </p:style>
-      </p:cxnSp>
-      <p:cxnSp>
-        <p:nvCxnSpPr>
-          <p:cNvPr id="50" name="Gerade Verbindung mit Pfeil 49">
-            <a:extLst>
-              <a:ext uri="{FF2B5EF4-FFF2-40B4-BE49-F238E27FC236}">
-                <a16:creationId xmlns:a16="http://schemas.microsoft.com/office/drawing/2014/main" id="{FB611E99-C2A2-4ED9-BC3C-E4E7162B6867}"/>
-              </a:ext>
-            </a:extLst>
-          </p:cNvPr>
-          <p:cNvCxnSpPr>
-            <a:cxnSpLocks/>
-          </p:cNvCxnSpPr>
-          <p:nvPr/>
-        </p:nvCxnSpPr>
-        <p:spPr>
-          <a:xfrm flipH="1" flipV="1">
-            <a:off x="4030813" y="2707895"/>
-            <a:ext cx="1406599" cy="309451"/>
-          </a:xfrm>
-          <a:prstGeom prst="straightConnector1">
-            <a:avLst/>
-          </a:prstGeom>
-          <a:ln w="28575">
-            <a:solidFill>
-              <a:schemeClr val="accent1">
-                <a:lumMod val="50000"/>
-              </a:schemeClr>
-            </a:solidFill>
-            <a:tailEnd type="triangle"/>
-          </a:ln>
-        </p:spPr>
-        <p:style>
-          <a:lnRef idx="1">
-            <a:schemeClr val="accent1"/>
-          </a:lnRef>
-          <a:fillRef idx="0">
-            <a:schemeClr val="accent1"/>
-          </a:fillRef>
-          <a:effectRef idx="0">
-            <a:schemeClr val="accent1"/>
-          </a:effectRef>
-          <a:fontRef idx="minor">
-            <a:schemeClr val="tx1"/>
-          </a:fontRef>
-        </p:style>
-      </p:cxnSp>
-      <p:cxnSp>
-        <p:nvCxnSpPr>
-          <p:cNvPr id="53" name="Gerade Verbindung mit Pfeil 52">
-            <a:extLst>
-              <a:ext uri="{FF2B5EF4-FFF2-40B4-BE49-F238E27FC236}">
-                <a16:creationId xmlns:a16="http://schemas.microsoft.com/office/drawing/2014/main" id="{B632772A-F1F8-4A6A-9D07-6AF0B311F0F9}"/>
-              </a:ext>
-            </a:extLst>
-          </p:cNvPr>
-          <p:cNvCxnSpPr>
-            <a:cxnSpLocks/>
-          </p:cNvCxnSpPr>
-          <p:nvPr/>
-        </p:nvCxnSpPr>
-        <p:spPr>
-          <a:xfrm flipH="1">
-            <a:off x="3954000" y="3013512"/>
-            <a:ext cx="1473258" cy="193531"/>
-          </a:xfrm>
-          <a:prstGeom prst="straightConnector1">
-            <a:avLst/>
-          </a:prstGeom>
-          <a:ln w="9525">
-            <a:solidFill>
-              <a:schemeClr val="accent1">
-                <a:lumMod val="50000"/>
-              </a:schemeClr>
-            </a:solidFill>
-            <a:tailEnd type="triangle"/>
-          </a:ln>
-        </p:spPr>
-        <p:style>
-          <a:lnRef idx="1">
-            <a:schemeClr val="accent1"/>
-          </a:lnRef>
-          <a:fillRef idx="0">
-            <a:schemeClr val="accent1"/>
-          </a:fillRef>
-          <a:effectRef idx="0">
-            <a:schemeClr val="accent1"/>
-          </a:effectRef>
-          <a:fontRef idx="minor">
-            <a:schemeClr val="tx1"/>
-          </a:fontRef>
-        </p:style>
-      </p:cxnSp>
-      <p:sp>
-        <p:nvSpPr>
-          <p:cNvPr id="56" name="Bogen 55">
-            <a:extLst>
-              <a:ext uri="{FF2B5EF4-FFF2-40B4-BE49-F238E27FC236}">
-                <a16:creationId xmlns:a16="http://schemas.microsoft.com/office/drawing/2014/main" id="{C7D314B5-FB7C-4666-B69B-003577A17763}"/>
-              </a:ext>
-            </a:extLst>
-          </p:cNvPr>
-          <p:cNvSpPr/>
-          <p:nvPr/>
-        </p:nvSpPr>
-        <p:spPr>
-          <a:xfrm rot="14226271">
-            <a:off x="3860618" y="2682141"/>
-            <a:ext cx="737270" cy="679532"/>
-          </a:xfrm>
-          <a:prstGeom prst="arc">
-            <a:avLst/>
-          </a:prstGeom>
-        </p:spPr>
-        <p:style>
-          <a:lnRef idx="1">
-            <a:schemeClr val="accent1"/>
-          </a:lnRef>
-          <a:fillRef idx="0">
-            <a:schemeClr val="accent1"/>
-          </a:fillRef>
-          <a:effectRef idx="0">
-            <a:schemeClr val="accent1"/>
-          </a:effectRef>
-          <a:fontRef idx="minor">
-            <a:schemeClr val="tx1"/>
-          </a:fontRef>
-        </p:style>
-        <p:txBody>
-          <a:bodyPr rtlCol="0" anchor="ctr"/>
-          <a:lstStyle/>
-          <a:p>
-            <a:pPr algn="ctr"/>
-            <a:endParaRPr lang="en-US"/>
-          </a:p>
-        </p:txBody>
-      </p:sp>
-      <p:sp>
-        <p:nvSpPr>
-          <p:cNvPr id="58" name="Bogen 57">
-            <a:extLst>
-              <a:ext uri="{FF2B5EF4-FFF2-40B4-BE49-F238E27FC236}">
-                <a16:creationId xmlns:a16="http://schemas.microsoft.com/office/drawing/2014/main" id="{F219FE03-E83D-4B1D-90DF-82C85A7B39C7}"/>
-              </a:ext>
-            </a:extLst>
-          </p:cNvPr>
-          <p:cNvSpPr/>
-          <p:nvPr/>
-        </p:nvSpPr>
-        <p:spPr>
-          <a:xfrm rot="11349606">
-            <a:off x="3938273" y="3075889"/>
-            <a:ext cx="936816" cy="520637"/>
-          </a:xfrm>
-          <a:prstGeom prst="arc">
-            <a:avLst/>
-          </a:prstGeom>
-        </p:spPr>
-        <p:style>
-          <a:lnRef idx="1">
-            <a:schemeClr val="accent1"/>
-          </a:lnRef>
-          <a:fillRef idx="0">
-            <a:schemeClr val="accent1"/>
-          </a:fillRef>
-          <a:effectRef idx="0">
-            <a:schemeClr val="accent1"/>
-          </a:effectRef>
-          <a:fontRef idx="minor">
-            <a:schemeClr val="tx1"/>
-          </a:fontRef>
-        </p:style>
-        <p:txBody>
-          <a:bodyPr rtlCol="0" anchor="ctr"/>
-          <a:lstStyle/>
-          <a:p>
-            <a:pPr algn="ctr"/>
-            <a:endParaRPr lang="en-US"/>
-          </a:p>
-        </p:txBody>
-      </p:sp>
-      <p:sp>
-        <p:nvSpPr>
-          <p:cNvPr id="59" name="Textfeld 58">
-            <a:extLst>
-              <a:ext uri="{FF2B5EF4-FFF2-40B4-BE49-F238E27FC236}">
-                <a16:creationId xmlns:a16="http://schemas.microsoft.com/office/drawing/2014/main" id="{2098D132-01E0-4B43-A71E-2853B11120F5}"/>
-              </a:ext>
-            </a:extLst>
-          </p:cNvPr>
-          <p:cNvSpPr txBox="1"/>
-          <p:nvPr/>
-        </p:nvSpPr>
-        <p:spPr>
-          <a:xfrm rot="737184">
-            <a:off x="3995243" y="2643552"/>
-            <a:ext cx="1596389" cy="261610"/>
-          </a:xfrm>
-          <a:prstGeom prst="rect">
-            <a:avLst/>
-          </a:prstGeom>
-          <a:noFill/>
-        </p:spPr>
-        <p:txBody>
-          <a:bodyPr wrap="square" rtlCol="0">
-            <a:spAutoFit/>
-          </a:bodyPr>
-          <a:lstStyle/>
-          <a:p>
-            <a:r>
-              <a:rPr lang="en-US" sz="1100" dirty="0">
-                <a:solidFill>
-                  <a:srgbClr val="203864"/>
-                </a:solidFill>
-              </a:rPr>
-              <a:t>Local gaze vector</a:t>
-            </a:r>
-          </a:p>
-        </p:txBody>
-      </p:sp>
-      <p:sp>
-        <p:nvSpPr>
-          <p:cNvPr id="60" name="Textfeld 59">
-            <a:extLst>
-              <a:ext uri="{FF2B5EF4-FFF2-40B4-BE49-F238E27FC236}">
-                <a16:creationId xmlns:a16="http://schemas.microsoft.com/office/drawing/2014/main" id="{8184C005-ECFC-4E4A-B27C-8EB219FE696F}"/>
-              </a:ext>
-            </a:extLst>
-          </p:cNvPr>
-          <p:cNvSpPr txBox="1"/>
-          <p:nvPr/>
-        </p:nvSpPr>
-        <p:spPr>
-          <a:xfrm rot="1775063">
-            <a:off x="4367200" y="1408085"/>
-            <a:ext cx="1596389" cy="261610"/>
-          </a:xfrm>
-          <a:prstGeom prst="rect">
-            <a:avLst/>
-          </a:prstGeom>
-          <a:noFill/>
-        </p:spPr>
-        <p:txBody>
-          <a:bodyPr wrap="square" rtlCol="0">
-            <a:spAutoFit/>
-          </a:bodyPr>
-          <a:lstStyle/>
-          <a:p>
-            <a:r>
-              <a:rPr lang="en-US" sz="1100" dirty="0">
-                <a:solidFill>
-                  <a:srgbClr val="93ADDD"/>
-                </a:solidFill>
-              </a:rPr>
-              <a:t>Local coordinate system</a:t>
-            </a:r>
-          </a:p>
-        </p:txBody>
-      </p:sp>
-      <p:sp>
-        <p:nvSpPr>
-          <p:cNvPr id="61" name="Textfeld 60">
-            <a:extLst>
-              <a:ext uri="{FF2B5EF4-FFF2-40B4-BE49-F238E27FC236}">
-                <a16:creationId xmlns:a16="http://schemas.microsoft.com/office/drawing/2014/main" id="{BE40F19C-8E74-4E8F-8A55-8FB103C7E900}"/>
-              </a:ext>
-            </a:extLst>
-          </p:cNvPr>
-          <p:cNvSpPr txBox="1"/>
-          <p:nvPr/>
-        </p:nvSpPr>
-        <p:spPr>
-          <a:xfrm>
-            <a:off x="3320620" y="4133427"/>
-            <a:ext cx="1959409" cy="430887"/>
-          </a:xfrm>
-          <a:prstGeom prst="rect">
-            <a:avLst/>
-          </a:prstGeom>
-          <a:noFill/>
-          <a:ln>
-            <a:solidFill>
-              <a:srgbClr val="C55A11"/>
-            </a:solidFill>
-          </a:ln>
-        </p:spPr>
-        <p:txBody>
-          <a:bodyPr wrap="square" rtlCol="0">
-            <a:spAutoFit/>
-          </a:bodyPr>
-          <a:lstStyle/>
-          <a:p>
-            <a:pPr algn="ctr"/>
-            <a:r>
-              <a:rPr lang="en-US" sz="1100" dirty="0">
-                <a:solidFill>
-                  <a:srgbClr val="C55A11"/>
-                </a:solidFill>
-              </a:rPr>
-              <a:t>z-axis of local system z = (0,0,1) or global forward vector</a:t>
-            </a:r>
-          </a:p>
-        </p:txBody>
-      </p:sp>
-      <p:cxnSp>
-        <p:nvCxnSpPr>
-          <p:cNvPr id="65" name="Gerader Verbinder 64">
-            <a:extLst>
-              <a:ext uri="{FF2B5EF4-FFF2-40B4-BE49-F238E27FC236}">
-                <a16:creationId xmlns:a16="http://schemas.microsoft.com/office/drawing/2014/main" id="{2A5C18D9-1E05-42DB-83DB-A4BA9680FD48}"/>
-              </a:ext>
-            </a:extLst>
-          </p:cNvPr>
-          <p:cNvCxnSpPr>
-            <a:stCxn id="2" idx="1"/>
-          </p:cNvCxnSpPr>
-          <p:nvPr/>
-        </p:nvCxnSpPr>
-        <p:spPr>
-          <a:xfrm>
-            <a:off x="4199098" y="3730436"/>
-            <a:ext cx="0" cy="402991"/>
-          </a:xfrm>
-          <a:prstGeom prst="line">
-            <a:avLst/>
-          </a:prstGeom>
-          <a:ln>
-            <a:solidFill>
-              <a:schemeClr val="accent2">
-                <a:lumMod val="75000"/>
-              </a:schemeClr>
-            </a:solidFill>
-          </a:ln>
-        </p:spPr>
-        <p:style>
-          <a:lnRef idx="1">
-            <a:schemeClr val="accent1"/>
-          </a:lnRef>
-          <a:fillRef idx="0">
-            <a:schemeClr val="accent1"/>
-          </a:fillRef>
-          <a:effectRef idx="0">
-            <a:schemeClr val="accent1"/>
-          </a:effectRef>
-          <a:fontRef idx="minor">
-            <a:schemeClr val="tx1"/>
-          </a:fontRef>
-        </p:style>
-      </p:cxnSp>
-      <p:sp>
-        <p:nvSpPr>
-          <p:cNvPr id="66" name="Textfeld 65">
-            <a:extLst>
-              <a:ext uri="{FF2B5EF4-FFF2-40B4-BE49-F238E27FC236}">
-                <a16:creationId xmlns:a16="http://schemas.microsoft.com/office/drawing/2014/main" id="{9827C4B9-8542-4767-930E-7FC16A098ED3}"/>
-              </a:ext>
-            </a:extLst>
-          </p:cNvPr>
-          <p:cNvSpPr txBox="1"/>
-          <p:nvPr/>
-        </p:nvSpPr>
-        <p:spPr>
-          <a:xfrm rot="737184">
-            <a:off x="3833803" y="2812876"/>
-            <a:ext cx="828130" cy="261610"/>
-          </a:xfrm>
-          <a:prstGeom prst="rect">
-            <a:avLst/>
-          </a:prstGeom>
-          <a:noFill/>
-        </p:spPr>
-        <p:txBody>
-          <a:bodyPr wrap="square" rtlCol="0">
-            <a:spAutoFit/>
-          </a:bodyPr>
-          <a:lstStyle/>
-          <a:p>
-            <a:r>
-              <a:rPr lang="en-US" sz="1100" dirty="0">
-                <a:solidFill>
-                  <a:srgbClr val="203864"/>
-                </a:solidFill>
-              </a:rPr>
-              <a:t>pitch</a:t>
-            </a:r>
-          </a:p>
-        </p:txBody>
-      </p:sp>
-      <p:sp>
-        <p:nvSpPr>
-          <p:cNvPr id="67" name="Textfeld 66">
-            <a:extLst>
-              <a:ext uri="{FF2B5EF4-FFF2-40B4-BE49-F238E27FC236}">
-                <a16:creationId xmlns:a16="http://schemas.microsoft.com/office/drawing/2014/main" id="{4D4D1576-B5DA-4FAA-91AE-B5292E2EC855}"/>
-              </a:ext>
-            </a:extLst>
-          </p:cNvPr>
-          <p:cNvSpPr txBox="1"/>
-          <p:nvPr/>
-        </p:nvSpPr>
-        <p:spPr>
-          <a:xfrm rot="19758739">
-            <a:off x="3964065" y="3132379"/>
-            <a:ext cx="828130" cy="261610"/>
-          </a:xfrm>
-          <a:prstGeom prst="rect">
-            <a:avLst/>
-          </a:prstGeom>
-          <a:noFill/>
-        </p:spPr>
-        <p:txBody>
-          <a:bodyPr wrap="square" rtlCol="0">
-            <a:spAutoFit/>
-          </a:bodyPr>
-          <a:lstStyle/>
-          <a:p>
-            <a:r>
-              <a:rPr lang="en-US" sz="1100" dirty="0">
-                <a:solidFill>
-                  <a:srgbClr val="203864"/>
-                </a:solidFill>
-              </a:rPr>
-              <a:t>yaw</a:t>
-            </a:r>
-          </a:p>
-        </p:txBody>
-      </p:sp>
+            </a:lnRef>
+            <a:fillRef idx="1">
+              <a:schemeClr val="accent1"/>
+            </a:fillRef>
+            <a:effectRef idx="0">
+              <a:schemeClr val="accent1"/>
+            </a:effectRef>
+            <a:fontRef idx="minor">
+              <a:schemeClr val="lt1"/>
+            </a:fontRef>
+          </p:style>
+          <p:txBody>
+            <a:bodyPr rtlCol="0" anchor="ctr"/>
+            <a:lstStyle/>
+            <a:p>
+              <a:pPr algn="ctr"/>
+              <a:endParaRPr lang="de-DE"/>
+            </a:p>
+          </p:txBody>
+        </p:sp>
+      </p:grpSp>
     </p:spTree>
     <p:extLst>
       <p:ext uri="{BB962C8B-B14F-4D97-AF65-F5344CB8AC3E}">
